--- a/Varbirone_vedes_minta.pptx
+++ b/Varbirone_vedes_minta.pptx
@@ -111,7 +111,7 @@
   </p:defaultTextStyle>
   <p:extLst>
     <p:ext uri="{EFAFB233-063F-42B5-8137-9DF3F51BA10A}">
-      <p15:sldGuideLst xmlns:p15="http://schemas.microsoft.com/office/powerpoint/2012/main" xmlns="">
+      <p15:sldGuideLst xmlns="" xmlns:p15="http://schemas.microsoft.com/office/powerpoint/2012/main">
         <p15:guide id="1" orient="horz" pos="2160">
           <p15:clr>
             <a:srgbClr val="A4A3A4"/>
@@ -131,11 +131,6 @@
 <file path=ppt/slideLayouts/slideLayout1.xml><?xml version="1.0" encoding="utf-8"?>
 <p:sldLayout xmlns:a="http://schemas.openxmlformats.org/drawingml/2006/main" xmlns:r="http://schemas.openxmlformats.org/officeDocument/2006/relationships" xmlns:p="http://schemas.openxmlformats.org/presentationml/2006/main" type="title" preserve="1">
   <p:cSld name="Címdia">
-    <p:bg>
-      <p:bgRef idx="1002">
-        <a:schemeClr val="bg2"/>
-      </p:bgRef>
-    </p:bg>
     <p:spTree>
       <p:nvGrpSpPr>
         <p:cNvPr id="1" name=""/>
@@ -302,7 +297,7 @@
             <a:fld id="{98AD18EB-34C1-4E87-9231-877E18121FAC}" type="datetimeFigureOut">
               <a:rPr lang="hu-HU" smtClean="0"/>
               <a:pPr/>
-              <a:t>2022. 03. 24.</a:t>
+              <a:t>2022. 03. 27.</a:t>
             </a:fld>
             <a:endParaRPr lang="hu-HU"/>
           </a:p>
@@ -469,7 +464,7 @@
             <a:fld id="{98AD18EB-34C1-4E87-9231-877E18121FAC}" type="datetimeFigureOut">
               <a:rPr lang="hu-HU" smtClean="0"/>
               <a:pPr/>
-              <a:t>2022. 03. 24.</a:t>
+              <a:t>2022. 03. 27.</a:t>
             </a:fld>
             <a:endParaRPr lang="hu-HU"/>
           </a:p>
@@ -646,7 +641,7 @@
             <a:fld id="{98AD18EB-34C1-4E87-9231-877E18121FAC}" type="datetimeFigureOut">
               <a:rPr lang="hu-HU" smtClean="0"/>
               <a:pPr/>
-              <a:t>2022. 03. 24.</a:t>
+              <a:t>2022. 03. 27.</a:t>
             </a:fld>
             <a:endParaRPr lang="hu-HU"/>
           </a:p>
@@ -813,7 +808,7 @@
             <a:fld id="{98AD18EB-34C1-4E87-9231-877E18121FAC}" type="datetimeFigureOut">
               <a:rPr lang="hu-HU" smtClean="0"/>
               <a:pPr/>
-              <a:t>2022. 03. 24.</a:t>
+              <a:t>2022. 03. 27.</a:t>
             </a:fld>
             <a:endParaRPr lang="hu-HU"/>
           </a:p>
@@ -873,11 +868,6 @@
 <file path=ppt/slideLayouts/slideLayout3.xml><?xml version="1.0" encoding="utf-8"?>
 <p:sldLayout xmlns:a="http://schemas.openxmlformats.org/drawingml/2006/main" xmlns:r="http://schemas.openxmlformats.org/officeDocument/2006/relationships" xmlns:p="http://schemas.openxmlformats.org/presentationml/2006/main" type="secHead" preserve="1">
   <p:cSld name="Szakaszfejléc">
-    <p:bg>
-      <p:bgRef idx="1002">
-        <a:schemeClr val="bg2"/>
-      </p:bgRef>
-    </p:bg>
     <p:spTree>
       <p:nvGrpSpPr>
         <p:cNvPr id="1" name=""/>
@@ -1057,7 +1047,7 @@
             <a:fld id="{98AD18EB-34C1-4E87-9231-877E18121FAC}" type="datetimeFigureOut">
               <a:rPr lang="hu-HU" smtClean="0"/>
               <a:pPr/>
-              <a:t>2022. 03. 24.</a:t>
+              <a:t>2022. 03. 27.</a:t>
             </a:fld>
             <a:endParaRPr lang="hu-HU"/>
           </a:p>
@@ -1323,7 +1313,7 @@
             <a:fld id="{98AD18EB-34C1-4E87-9231-877E18121FAC}" type="datetimeFigureOut">
               <a:rPr lang="hu-HU" smtClean="0"/>
               <a:pPr/>
-              <a:t>2022. 03. 24.</a:t>
+              <a:t>2022. 03. 27.</a:t>
             </a:fld>
             <a:endParaRPr lang="hu-HU"/>
           </a:p>
@@ -1703,7 +1693,7 @@
             <a:fld id="{98AD18EB-34C1-4E87-9231-877E18121FAC}" type="datetimeFigureOut">
               <a:rPr lang="hu-HU" smtClean="0"/>
               <a:pPr/>
-              <a:t>2022. 03. 24.</a:t>
+              <a:t>2022. 03. 27.</a:t>
             </a:fld>
             <a:endParaRPr lang="hu-HU"/>
           </a:p>
@@ -1855,7 +1845,7 @@
             <a:fld id="{98AD18EB-34C1-4E87-9231-877E18121FAC}" type="datetimeFigureOut">
               <a:rPr lang="hu-HU" smtClean="0"/>
               <a:pPr/>
-              <a:t>2022. 03. 24.</a:t>
+              <a:t>2022. 03. 27.</a:t>
             </a:fld>
             <a:endParaRPr lang="hu-HU"/>
           </a:p>
@@ -1947,7 +1937,7 @@
             <a:fld id="{98AD18EB-34C1-4E87-9231-877E18121FAC}" type="datetimeFigureOut">
               <a:rPr lang="hu-HU" smtClean="0"/>
               <a:pPr/>
-              <a:t>2022. 03. 24.</a:t>
+              <a:t>2022. 03. 27.</a:t>
             </a:fld>
             <a:endParaRPr lang="hu-HU"/>
           </a:p>
@@ -2210,7 +2200,7 @@
             <a:fld id="{98AD18EB-34C1-4E87-9231-877E18121FAC}" type="datetimeFigureOut">
               <a:rPr lang="hu-HU" smtClean="0"/>
               <a:pPr/>
-              <a:t>2022. 03. 24.</a:t>
+              <a:t>2022. 03. 27.</a:t>
             </a:fld>
             <a:endParaRPr lang="hu-HU"/>
           </a:p>
@@ -2268,7 +2258,7 @@
 </file>
 
 <file path=ppt/slideLayouts/slideLayout9.xml><?xml version="1.0" encoding="utf-8"?>
-<p:sldLayout xmlns:a="http://schemas.openxmlformats.org/drawingml/2006/main" xmlns:r="http://schemas.openxmlformats.org/officeDocument/2006/relationships" xmlns:p="http://schemas.openxmlformats.org/presentationml/2006/main" showMasterSp="0" type="picTx" preserve="1">
+<p:sldLayout xmlns:a="http://schemas.openxmlformats.org/drawingml/2006/main" xmlns:r="http://schemas.openxmlformats.org/officeDocument/2006/relationships" xmlns:p="http://schemas.openxmlformats.org/presentationml/2006/main" type="picTx" preserve="1">
   <p:cSld name="Kép képaláírással">
     <p:spTree>
       <p:nvGrpSpPr>
@@ -2500,7 +2490,7 @@
             <a:fld id="{98AD18EB-34C1-4E87-9231-877E18121FAC}" type="datetimeFigureOut">
               <a:rPr lang="hu-HU" smtClean="0"/>
               <a:pPr/>
-              <a:t>2022. 03. 24.</a:t>
+              <a:t>2022. 03. 27.</a:t>
             </a:fld>
             <a:endParaRPr lang="hu-HU"/>
           </a:p>
@@ -2868,9 +2858,25 @@
 <p:sldMaster xmlns:a="http://schemas.openxmlformats.org/drawingml/2006/main" xmlns:r="http://schemas.openxmlformats.org/officeDocument/2006/relationships" xmlns:p="http://schemas.openxmlformats.org/presentationml/2006/main">
   <p:cSld>
     <p:bg>
-      <p:bgRef idx="1003">
-        <a:schemeClr val="bg1"/>
-      </p:bgRef>
+      <p:bgPr>
+        <a:gradFill flip="none" rotWithShape="1">
+          <a:gsLst>
+            <a:gs pos="60000">
+              <a:srgbClr val="E2DA3C">
+                <a:alpha val="80000"/>
+              </a:srgbClr>
+            </a:gs>
+            <a:gs pos="40000">
+              <a:srgbClr val="DED288"/>
+            </a:gs>
+          </a:gsLst>
+          <a:path path="circle">
+            <a:fillToRect t="100000" r="100000"/>
+          </a:path>
+          <a:tileRect l="-100000" b="-100000"/>
+        </a:gradFill>
+        <a:effectLst/>
+      </p:bgPr>
     </p:bg>
     <p:spTree>
       <p:nvGrpSpPr>
@@ -3273,7 +3279,7 @@
             <a:fld id="{98AD18EB-34C1-4E87-9231-877E18121FAC}" type="datetimeFigureOut">
               <a:rPr lang="hu-HU" smtClean="0"/>
               <a:pPr/>
-              <a:t>2022. 03. 24.</a:t>
+              <a:t>2022. 03. 27.</a:t>
             </a:fld>
             <a:endParaRPr lang="hu-HU"/>
           </a:p>
@@ -3902,50 +3908,75 @@
             <p:ph type="ctrTitle"/>
           </p:nvPr>
         </p:nvSpPr>
+        <p:spPr>
+          <a:xfrm>
+            <a:off x="285720" y="1285860"/>
+            <a:ext cx="7851648" cy="1828800"/>
+          </a:xfrm>
+        </p:spPr>
+        <p:txBody>
+          <a:bodyPr/>
+          <a:lstStyle/>
+          <a:p>
+            <a:r>
+              <a:rPr lang="hu-HU" dirty="0" smtClean="0">
+                <a:effectLst>
+                  <a:outerShdw blurRad="38100" dist="38100" dir="2700000" algn="tl">
+                    <a:srgbClr val="000000">
+                      <a:alpha val="43137"/>
+                    </a:srgbClr>
+                  </a:outerShdw>
+                </a:effectLst>
+              </a:rPr>
+              <a:t>Építőipari nyersanyagok</a:t>
+            </a:r>
+            <a:endParaRPr lang="hu-HU" dirty="0">
+              <a:effectLst>
+                <a:outerShdw blurRad="38100" dist="38100" dir="2700000" algn="tl">
+                  <a:srgbClr val="000000">
+                    <a:alpha val="43137"/>
+                  </a:srgbClr>
+                </a:outerShdw>
+              </a:effectLst>
+            </a:endParaRPr>
+          </a:p>
+        </p:txBody>
+      </p:sp>
+      <p:sp>
+        <p:nvSpPr>
+          <p:cNvPr id="3" name="Alcím 2"/>
+          <p:cNvSpPr>
+            <a:spLocks noGrp="1"/>
+          </p:cNvSpPr>
+          <p:nvPr>
+            <p:ph type="subTitle" idx="1"/>
+          </p:nvPr>
+        </p:nvSpPr>
         <p:spPr/>
         <p:txBody>
           <a:bodyPr/>
           <a:lstStyle/>
           <a:p>
             <a:r>
-              <a:rPr lang="hu-HU" dirty="0" smtClean="0"/>
-              <a:t>Csillagközi internetes kereskedelem</a:t>
-            </a:r>
-            <a:endParaRPr lang="hu-HU" dirty="0"/>
-          </a:p>
-        </p:txBody>
-      </p:sp>
-      <p:sp>
-        <p:nvSpPr>
-          <p:cNvPr id="3" name="Alcím 2"/>
-          <p:cNvSpPr>
-            <a:spLocks noGrp="1"/>
-          </p:cNvSpPr>
-          <p:nvPr>
-            <p:ph type="subTitle" idx="1"/>
-          </p:nvPr>
-        </p:nvSpPr>
-        <p:spPr/>
-        <p:txBody>
-          <a:bodyPr/>
-          <a:lstStyle/>
-          <a:p>
-            <a:r>
-              <a:rPr lang="hu-HU" dirty="0" smtClean="0"/>
-              <a:t>Készítette: </a:t>
-            </a:r>
-            <a:r>
-              <a:rPr lang="hu-HU" dirty="0" smtClean="0"/>
-              <a:t>Lévai Tibor</a:t>
-            </a:r>
-            <a:endParaRPr lang="hu-HU" dirty="0"/>
+              <a:rPr lang="hu-HU" i="1" u="sng" dirty="0" smtClean="0">
+                <a:solidFill>
+                  <a:schemeClr val="bg1"/>
+                </a:solidFill>
+              </a:rPr>
+              <a:t>Készítette: Lévai Tibor</a:t>
+            </a:r>
+            <a:endParaRPr lang="hu-HU" i="1" u="sng" dirty="0">
+              <a:solidFill>
+                <a:schemeClr val="bg1"/>
+              </a:solidFill>
+            </a:endParaRPr>
           </a:p>
         </p:txBody>
       </p:sp>
     </p:spTree>
     <p:extLst>
       <p:ext uri="{BB962C8B-B14F-4D97-AF65-F5344CB8AC3E}">
-        <p14:creationId xmlns:p14="http://schemas.microsoft.com/office/powerpoint/2010/main" xmlns="" val="2645818704"/>
+        <p14:creationId xmlns="" xmlns:p14="http://schemas.microsoft.com/office/powerpoint/2010/main" val="2645818704"/>
       </p:ext>
     </p:extLst>
   </p:cSld>
@@ -4012,29 +4043,35 @@
           <a:p>
             <a:r>
               <a:rPr lang="hu-HU" dirty="0" smtClean="0"/>
-              <a:t>Mi </a:t>
-            </a:r>
-            <a:r>
-              <a:rPr lang="hu-HU" dirty="0"/>
-              <a:t>a téma, Elérhetősége net-en</a:t>
-            </a:r>
-          </a:p>
-          <a:p>
-            <a:r>
-              <a:rPr lang="hu-HU" dirty="0"/>
-              <a:t>F</a:t>
+              <a:t>Építőipari nyersanyagok ismertetése</a:t>
+            </a:r>
+          </a:p>
+          <a:p>
+            <a:r>
+              <a:rPr lang="hu-HU" u="sng" dirty="0" smtClean="0"/>
+              <a:t>Funkciók: </a:t>
+            </a:r>
+          </a:p>
+          <a:p>
+            <a:pPr lvl="7"/>
+            <a:r>
+              <a:rPr lang="hu-HU" u="sng" dirty="0" smtClean="0"/>
+              <a:t>Mobilalkalmazás:</a:t>
             </a:r>
             <a:r>
               <a:rPr lang="hu-HU" dirty="0" smtClean="0"/>
-              <a:t>ő funkciók felsorolva(nem bej., </a:t>
-            </a:r>
-            <a:r>
-              <a:rPr lang="hu-HU" dirty="0" err="1" smtClean="0"/>
-              <a:t>bejel</a:t>
+              <a:t> - Anyag böngészés, kalkulátorok, rendelésfeladás</a:t>
+            </a:r>
+          </a:p>
+          <a:p>
+            <a:pPr lvl="7"/>
+            <a:r>
+              <a:rPr lang="hu-HU" u="sng" dirty="0" smtClean="0"/>
+              <a:t>Web alkalmazás: </a:t>
             </a:r>
             <a:r>
               <a:rPr lang="hu-HU" dirty="0" smtClean="0"/>
-              <a:t>. </a:t>
+              <a:t> - Felhasználói funkciók, </a:t>
             </a:r>
             <a:r>
               <a:rPr lang="hu-HU" dirty="0" err="1" smtClean="0"/>
@@ -4042,28 +4079,137 @@
             </a:r>
             <a:r>
               <a:rPr lang="hu-HU" dirty="0" smtClean="0"/>
-              <a:t> felhasználóké)</a:t>
-            </a:r>
-          </a:p>
-          <a:p>
+              <a:t> </a:t>
+            </a:r>
+            <a:r>
+              <a:rPr lang="hu-HU" dirty="0" err="1" smtClean="0"/>
+              <a:t>funkciók</a:t>
+            </a:r>
             <a:r>
               <a:rPr lang="hu-HU" dirty="0" smtClean="0"/>
-              <a:t>Felsorolás, csak szavak</a:t>
-            </a:r>
-          </a:p>
-          <a:p>
+              <a:t> </a:t>
+            </a:r>
+          </a:p>
+          <a:p>
+            <a:pPr lvl="7"/>
+            <a:r>
+              <a:rPr lang="hu-HU" u="sng" dirty="0" smtClean="0"/>
+              <a:t>Felhasználó:</a:t>
+            </a:r>
             <a:r>
               <a:rPr lang="hu-HU" dirty="0" smtClean="0"/>
-              <a:t>2-3 dia</a:t>
-            </a:r>
-            <a:endParaRPr lang="hu-HU" dirty="0"/>
+              <a:t> - Mobil funkciók érhetőek el</a:t>
+            </a:r>
+          </a:p>
+          <a:p>
+            <a:pPr lvl="7"/>
+            <a:r>
+              <a:rPr lang="hu-HU" u="sng" dirty="0" err="1" smtClean="0"/>
+              <a:t>Admin</a:t>
+            </a:r>
+            <a:r>
+              <a:rPr lang="hu-HU" u="sng" dirty="0" smtClean="0"/>
+              <a:t>:</a:t>
+            </a:r>
+            <a:r>
+              <a:rPr lang="hu-HU" dirty="0" smtClean="0"/>
+              <a:t> - Anyagok törlése/felvitele, rendelés adható le, felhasználói </a:t>
+            </a:r>
+            <a:r>
+              <a:rPr lang="hu-HU" dirty="0" err="1" smtClean="0"/>
+              <a:t>funkcók</a:t>
+            </a:r>
+            <a:r>
+              <a:rPr lang="hu-HU" u="sng" dirty="0" smtClean="0"/>
+              <a:t> </a:t>
+            </a:r>
+          </a:p>
+          <a:p>
+            <a:pPr marL="358775" lvl="7" indent="0"/>
+            <a:r>
+              <a:rPr lang="hu-HU" sz="2600" dirty="0" smtClean="0"/>
+              <a:t>Elérhető: 	</a:t>
+            </a:r>
+            <a:r>
+              <a:rPr lang="hu-HU" dirty="0" smtClean="0">
+                <a:hlinkClick r:id="rId2"/>
+              </a:rPr>
+              <a:t>https</a:t>
+            </a:r>
+            <a:r>
+              <a:rPr lang="hu-HU" dirty="0" smtClean="0">
+                <a:hlinkClick r:id="rId2"/>
+              </a:rPr>
+              <a:t>://</a:t>
+            </a:r>
+            <a:r>
+              <a:rPr lang="hu-HU" dirty="0" smtClean="0">
+                <a:hlinkClick r:id="rId2"/>
+              </a:rPr>
+              <a:t>github.com/ProFreshCash/mobilfrontendanyagok.git</a:t>
+            </a:r>
+            <a:endParaRPr lang="hu-HU" dirty="0" smtClean="0"/>
+          </a:p>
+          <a:p>
+            <a:pPr marL="633095" lvl="8" indent="0">
+              <a:buNone/>
+            </a:pPr>
+            <a:r>
+              <a:rPr lang="hu-HU" sz="1600" dirty="0" smtClean="0"/>
+              <a:t>	</a:t>
+            </a:r>
+            <a:r>
+              <a:rPr lang="hu-HU" sz="1600" dirty="0" smtClean="0">
+                <a:hlinkClick r:id="rId3"/>
+              </a:rPr>
+              <a:t>https://</a:t>
+            </a:r>
+            <a:r>
+              <a:rPr lang="hu-HU" sz="1600" dirty="0" smtClean="0">
+                <a:hlinkClick r:id="rId3"/>
+              </a:rPr>
+              <a:t>github.com/ProFreshCash/mobilbackendanyagok.git</a:t>
+            </a:r>
+            <a:endParaRPr lang="hu-HU" sz="1600" dirty="0" smtClean="0"/>
+          </a:p>
+          <a:p>
+            <a:pPr marL="633095" lvl="8" indent="0">
+              <a:buNone/>
+            </a:pPr>
+            <a:r>
+              <a:rPr lang="hu-HU" sz="1600" dirty="0" smtClean="0"/>
+              <a:t>	</a:t>
+            </a:r>
+            <a:r>
+              <a:rPr lang="hu-HU" sz="1600" dirty="0" smtClean="0">
+                <a:hlinkClick r:id="rId4"/>
+              </a:rPr>
+              <a:t>https://</a:t>
+            </a:r>
+            <a:r>
+              <a:rPr lang="hu-HU" sz="1600" dirty="0" smtClean="0">
+                <a:hlinkClick r:id="rId4"/>
+              </a:rPr>
+              <a:t>github.com/ProFreshCash/webanyagokfrontend.git</a:t>
+            </a:r>
+            <a:endParaRPr lang="hu-HU" sz="1600" dirty="0" smtClean="0"/>
+          </a:p>
+          <a:p>
+            <a:pPr marL="633095" lvl="8" indent="0">
+              <a:buNone/>
+            </a:pPr>
+            <a:r>
+              <a:rPr lang="hu-HU" sz="1600" dirty="0" smtClean="0"/>
+              <a:t>	https://github.com/ProFreshCash/webanyagokbackend.git</a:t>
+            </a:r>
+            <a:endParaRPr lang="hu-HU" sz="1600" dirty="0" smtClean="0"/>
           </a:p>
         </p:txBody>
       </p:sp>
     </p:spTree>
     <p:extLst>
       <p:ext uri="{BB962C8B-B14F-4D97-AF65-F5344CB8AC3E}">
-        <p14:creationId xmlns:p14="http://schemas.microsoft.com/office/powerpoint/2010/main" xmlns="" val="598232889"/>
+        <p14:creationId xmlns="" xmlns:p14="http://schemas.microsoft.com/office/powerpoint/2010/main" val="598232889"/>
       </p:ext>
     </p:extLst>
   </p:cSld>
@@ -4139,7 +4285,7 @@
     </p:spTree>
     <p:extLst>
       <p:ext uri="{BB962C8B-B14F-4D97-AF65-F5344CB8AC3E}">
-        <p14:creationId xmlns:p14="http://schemas.microsoft.com/office/powerpoint/2010/main" xmlns="" val="2560700038"/>
+        <p14:creationId xmlns="" xmlns:p14="http://schemas.microsoft.com/office/powerpoint/2010/main" val="2560700038"/>
       </p:ext>
     </p:extLst>
   </p:cSld>
@@ -4279,7 +4425,7 @@
     </p:spTree>
     <p:extLst>
       <p:ext uri="{BB962C8B-B14F-4D97-AF65-F5344CB8AC3E}">
-        <p14:creationId xmlns:p14="http://schemas.microsoft.com/office/powerpoint/2010/main" xmlns="" val="3084700984"/>
+        <p14:creationId xmlns="" xmlns:p14="http://schemas.microsoft.com/office/powerpoint/2010/main" val="3084700984"/>
       </p:ext>
     </p:extLst>
   </p:cSld>
@@ -4378,7 +4524,7 @@
     </p:spTree>
     <p:extLst>
       <p:ext uri="{BB962C8B-B14F-4D97-AF65-F5344CB8AC3E}">
-        <p14:creationId xmlns:p14="http://schemas.microsoft.com/office/powerpoint/2010/main" xmlns="" val="3631297354"/>
+        <p14:creationId xmlns="" xmlns:p14="http://schemas.microsoft.com/office/powerpoint/2010/main" val="3631297354"/>
       </p:ext>
     </p:extLst>
   </p:cSld>
@@ -4495,7 +4641,7 @@
     </p:spTree>
     <p:extLst>
       <p:ext uri="{BB962C8B-B14F-4D97-AF65-F5344CB8AC3E}">
-        <p14:creationId xmlns:p14="http://schemas.microsoft.com/office/powerpoint/2010/main" xmlns="" val="3687622588"/>
+        <p14:creationId xmlns="" xmlns:p14="http://schemas.microsoft.com/office/powerpoint/2010/main" val="3687622588"/>
       </p:ext>
     </p:extLst>
   </p:cSld>

--- a/Varbirone_vedes_minta.pptx
+++ b/Varbirone_vedes_minta.pptx
@@ -4,13 +4,20 @@
   <p:sldMasterIdLst>
     <p:sldMasterId id="2147483660" r:id="rId1"/>
   </p:sldMasterIdLst>
+  <p:notesMasterIdLst>
+    <p:notesMasterId r:id="rId12"/>
+  </p:notesMasterIdLst>
   <p:sldIdLst>
     <p:sldId id="256" r:id="rId2"/>
     <p:sldId id="257" r:id="rId3"/>
     <p:sldId id="258" r:id="rId4"/>
-    <p:sldId id="259" r:id="rId5"/>
-    <p:sldId id="261" r:id="rId6"/>
-    <p:sldId id="262" r:id="rId7"/>
+    <p:sldId id="263" r:id="rId5"/>
+    <p:sldId id="264" r:id="rId6"/>
+    <p:sldId id="266" r:id="rId7"/>
+    <p:sldId id="265" r:id="rId8"/>
+    <p:sldId id="267" r:id="rId9"/>
+    <p:sldId id="261" r:id="rId10"/>
+    <p:sldId id="262" r:id="rId11"/>
   </p:sldIdLst>
   <p:sldSz cx="9144000" cy="6858000" type="screen4x3"/>
   <p:notesSz cx="6858000" cy="9144000"/>
@@ -111,7 +118,7 @@
   </p:defaultTextStyle>
   <p:extLst>
     <p:ext uri="{EFAFB233-063F-42B5-8137-9DF3F51BA10A}">
-      <p15:sldGuideLst xmlns="" xmlns:p15="http://schemas.microsoft.com/office/powerpoint/2012/main">
+      <p15:sldGuideLst xmlns:p15="http://schemas.microsoft.com/office/powerpoint/2012/main" xmlns="">
         <p15:guide id="1" orient="horz" pos="2160">
           <p15:clr>
             <a:srgbClr val="A4A3A4"/>
@@ -126,6 +133,1082 @@
     </p:ext>
   </p:extLst>
 </p:presentation>
+</file>
+
+<file path=ppt/notesMasters/notesMaster1.xml><?xml version="1.0" encoding="utf-8"?>
+<p:notesMaster xmlns:a="http://schemas.openxmlformats.org/drawingml/2006/main" xmlns:r="http://schemas.openxmlformats.org/officeDocument/2006/relationships" xmlns:p="http://schemas.openxmlformats.org/presentationml/2006/main">
+  <p:cSld>
+    <p:bg>
+      <p:bgRef idx="1001">
+        <a:schemeClr val="bg1"/>
+      </p:bgRef>
+    </p:bg>
+    <p:spTree>
+      <p:nvGrpSpPr>
+        <p:cNvPr id="1" name=""/>
+        <p:cNvGrpSpPr/>
+        <p:nvPr/>
+      </p:nvGrpSpPr>
+      <p:grpSpPr>
+        <a:xfrm>
+          <a:off x="0" y="0"/>
+          <a:ext cx="0" cy="0"/>
+          <a:chOff x="0" y="0"/>
+          <a:chExt cx="0" cy="0"/>
+        </a:xfrm>
+      </p:grpSpPr>
+      <p:sp>
+        <p:nvSpPr>
+          <p:cNvPr id="2" name="Élőfej helye 1"/>
+          <p:cNvSpPr>
+            <a:spLocks noGrp="1"/>
+          </p:cNvSpPr>
+          <p:nvPr>
+            <p:ph type="hdr" sz="quarter"/>
+          </p:nvPr>
+        </p:nvSpPr>
+        <p:spPr>
+          <a:xfrm>
+            <a:off x="0" y="0"/>
+            <a:ext cx="2971800" cy="457200"/>
+          </a:xfrm>
+          <a:prstGeom prst="rect">
+            <a:avLst/>
+          </a:prstGeom>
+        </p:spPr>
+        <p:txBody>
+          <a:bodyPr vert="horz" lIns="91440" tIns="45720" rIns="91440" bIns="45720" rtlCol="0"/>
+          <a:lstStyle>
+            <a:lvl1pPr algn="l">
+              <a:defRPr sz="1200"/>
+            </a:lvl1pPr>
+          </a:lstStyle>
+          <a:p>
+            <a:endParaRPr lang="hu-HU"/>
+          </a:p>
+        </p:txBody>
+      </p:sp>
+      <p:sp>
+        <p:nvSpPr>
+          <p:cNvPr id="3" name="Dátum helye 2"/>
+          <p:cNvSpPr>
+            <a:spLocks noGrp="1"/>
+          </p:cNvSpPr>
+          <p:nvPr>
+            <p:ph type="dt" idx="1"/>
+          </p:nvPr>
+        </p:nvSpPr>
+        <p:spPr>
+          <a:xfrm>
+            <a:off x="3884613" y="0"/>
+            <a:ext cx="2971800" cy="457200"/>
+          </a:xfrm>
+          <a:prstGeom prst="rect">
+            <a:avLst/>
+          </a:prstGeom>
+        </p:spPr>
+        <p:txBody>
+          <a:bodyPr vert="horz" lIns="91440" tIns="45720" rIns="91440" bIns="45720" rtlCol="0"/>
+          <a:lstStyle>
+            <a:lvl1pPr algn="r">
+              <a:defRPr sz="1200"/>
+            </a:lvl1pPr>
+          </a:lstStyle>
+          <a:p>
+            <a:fld id="{241F3480-6FDE-4D21-946B-A203B80D6D5E}" type="datetimeFigureOut">
+              <a:rPr lang="hu-HU" smtClean="0"/>
+              <a:t>2022. 04. 20.</a:t>
+            </a:fld>
+            <a:endParaRPr lang="hu-HU"/>
+          </a:p>
+        </p:txBody>
+      </p:sp>
+      <p:sp>
+        <p:nvSpPr>
+          <p:cNvPr id="4" name="Diakép helye 3"/>
+          <p:cNvSpPr>
+            <a:spLocks noGrp="1" noRot="1" noChangeAspect="1"/>
+          </p:cNvSpPr>
+          <p:nvPr>
+            <p:ph type="sldImg" idx="2"/>
+          </p:nvPr>
+        </p:nvSpPr>
+        <p:spPr>
+          <a:xfrm>
+            <a:off x="1143000" y="685800"/>
+            <a:ext cx="4572000" cy="3429000"/>
+          </a:xfrm>
+          <a:prstGeom prst="rect">
+            <a:avLst/>
+          </a:prstGeom>
+          <a:noFill/>
+          <a:ln w="12700">
+            <a:solidFill>
+              <a:prstClr val="black"/>
+            </a:solidFill>
+          </a:ln>
+        </p:spPr>
+        <p:txBody>
+          <a:bodyPr vert="horz" lIns="91440" tIns="45720" rIns="91440" bIns="45720" rtlCol="0" anchor="ctr"/>
+          <a:lstStyle/>
+          <a:p>
+            <a:endParaRPr lang="hu-HU"/>
+          </a:p>
+        </p:txBody>
+      </p:sp>
+      <p:sp>
+        <p:nvSpPr>
+          <p:cNvPr id="5" name="Jegyzetek helye 4"/>
+          <p:cNvSpPr>
+            <a:spLocks noGrp="1"/>
+          </p:cNvSpPr>
+          <p:nvPr>
+            <p:ph type="body" sz="quarter" idx="3"/>
+          </p:nvPr>
+        </p:nvSpPr>
+        <p:spPr>
+          <a:xfrm>
+            <a:off x="685800" y="4343400"/>
+            <a:ext cx="5486400" cy="4114800"/>
+          </a:xfrm>
+          <a:prstGeom prst="rect">
+            <a:avLst/>
+          </a:prstGeom>
+        </p:spPr>
+        <p:txBody>
+          <a:bodyPr vert="horz" lIns="91440" tIns="45720" rIns="91440" bIns="45720" rtlCol="0">
+            <a:normAutofit/>
+          </a:bodyPr>
+          <a:lstStyle/>
+          <a:p>
+            <a:pPr lvl="0"/>
+            <a:r>
+              <a:rPr lang="hu-HU" smtClean="0"/>
+              <a:t>Mintaszöveg szerkesztése</a:t>
+            </a:r>
+          </a:p>
+          <a:p>
+            <a:pPr lvl="1"/>
+            <a:r>
+              <a:rPr lang="hu-HU" smtClean="0"/>
+              <a:t>Második szint</a:t>
+            </a:r>
+          </a:p>
+          <a:p>
+            <a:pPr lvl="2"/>
+            <a:r>
+              <a:rPr lang="hu-HU" smtClean="0"/>
+              <a:t>Harmadik szint</a:t>
+            </a:r>
+          </a:p>
+          <a:p>
+            <a:pPr lvl="3"/>
+            <a:r>
+              <a:rPr lang="hu-HU" smtClean="0"/>
+              <a:t>Negyedik szint</a:t>
+            </a:r>
+          </a:p>
+          <a:p>
+            <a:pPr lvl="4"/>
+            <a:r>
+              <a:rPr lang="hu-HU" smtClean="0"/>
+              <a:t>Ötödik szint</a:t>
+            </a:r>
+            <a:endParaRPr lang="hu-HU"/>
+          </a:p>
+        </p:txBody>
+      </p:sp>
+      <p:sp>
+        <p:nvSpPr>
+          <p:cNvPr id="6" name="Élőláb helye 5"/>
+          <p:cNvSpPr>
+            <a:spLocks noGrp="1"/>
+          </p:cNvSpPr>
+          <p:nvPr>
+            <p:ph type="ftr" sz="quarter" idx="4"/>
+          </p:nvPr>
+        </p:nvSpPr>
+        <p:spPr>
+          <a:xfrm>
+            <a:off x="0" y="8685213"/>
+            <a:ext cx="2971800" cy="457200"/>
+          </a:xfrm>
+          <a:prstGeom prst="rect">
+            <a:avLst/>
+          </a:prstGeom>
+        </p:spPr>
+        <p:txBody>
+          <a:bodyPr vert="horz" lIns="91440" tIns="45720" rIns="91440" bIns="45720" rtlCol="0" anchor="b"/>
+          <a:lstStyle>
+            <a:lvl1pPr algn="l">
+              <a:defRPr sz="1200"/>
+            </a:lvl1pPr>
+          </a:lstStyle>
+          <a:p>
+            <a:endParaRPr lang="hu-HU"/>
+          </a:p>
+        </p:txBody>
+      </p:sp>
+      <p:sp>
+        <p:nvSpPr>
+          <p:cNvPr id="7" name="Dia számának helye 6"/>
+          <p:cNvSpPr>
+            <a:spLocks noGrp="1"/>
+          </p:cNvSpPr>
+          <p:nvPr>
+            <p:ph type="sldNum" sz="quarter" idx="5"/>
+          </p:nvPr>
+        </p:nvSpPr>
+        <p:spPr>
+          <a:xfrm>
+            <a:off x="3884613" y="8685213"/>
+            <a:ext cx="2971800" cy="457200"/>
+          </a:xfrm>
+          <a:prstGeom prst="rect">
+            <a:avLst/>
+          </a:prstGeom>
+        </p:spPr>
+        <p:txBody>
+          <a:bodyPr vert="horz" lIns="91440" tIns="45720" rIns="91440" bIns="45720" rtlCol="0" anchor="b"/>
+          <a:lstStyle>
+            <a:lvl1pPr algn="r">
+              <a:defRPr sz="1200"/>
+            </a:lvl1pPr>
+          </a:lstStyle>
+          <a:p>
+            <a:fld id="{400986A5-8407-4FFF-9559-5B7863F3D8EF}" type="slidenum">
+              <a:rPr lang="hu-HU" smtClean="0"/>
+              <a:t>‹#›</a:t>
+            </a:fld>
+            <a:endParaRPr lang="hu-HU"/>
+          </a:p>
+        </p:txBody>
+      </p:sp>
+    </p:spTree>
+  </p:cSld>
+  <p:clrMap bg1="lt1" tx1="dk1" bg2="lt2" tx2="dk2" accent1="accent1" accent2="accent2" accent3="accent3" accent4="accent4" accent5="accent5" accent6="accent6" hlink="hlink" folHlink="folHlink"/>
+  <p:notesStyle>
+    <a:lvl1pPr marL="0" algn="l" defTabSz="914400" rtl="0" eaLnBrk="1" latinLnBrk="0" hangingPunct="1">
+      <a:defRPr sz="1200" kern="1200">
+        <a:solidFill>
+          <a:schemeClr val="tx1"/>
+        </a:solidFill>
+        <a:latin typeface="+mn-lt"/>
+        <a:ea typeface="+mn-ea"/>
+        <a:cs typeface="+mn-cs"/>
+      </a:defRPr>
+    </a:lvl1pPr>
+    <a:lvl2pPr marL="457200" algn="l" defTabSz="914400" rtl="0" eaLnBrk="1" latinLnBrk="0" hangingPunct="1">
+      <a:defRPr sz="1200" kern="1200">
+        <a:solidFill>
+          <a:schemeClr val="tx1"/>
+        </a:solidFill>
+        <a:latin typeface="+mn-lt"/>
+        <a:ea typeface="+mn-ea"/>
+        <a:cs typeface="+mn-cs"/>
+      </a:defRPr>
+    </a:lvl2pPr>
+    <a:lvl3pPr marL="914400" algn="l" defTabSz="914400" rtl="0" eaLnBrk="1" latinLnBrk="0" hangingPunct="1">
+      <a:defRPr sz="1200" kern="1200">
+        <a:solidFill>
+          <a:schemeClr val="tx1"/>
+        </a:solidFill>
+        <a:latin typeface="+mn-lt"/>
+        <a:ea typeface="+mn-ea"/>
+        <a:cs typeface="+mn-cs"/>
+      </a:defRPr>
+    </a:lvl3pPr>
+    <a:lvl4pPr marL="1371600" algn="l" defTabSz="914400" rtl="0" eaLnBrk="1" latinLnBrk="0" hangingPunct="1">
+      <a:defRPr sz="1200" kern="1200">
+        <a:solidFill>
+          <a:schemeClr val="tx1"/>
+        </a:solidFill>
+        <a:latin typeface="+mn-lt"/>
+        <a:ea typeface="+mn-ea"/>
+        <a:cs typeface="+mn-cs"/>
+      </a:defRPr>
+    </a:lvl4pPr>
+    <a:lvl5pPr marL="1828800" algn="l" defTabSz="914400" rtl="0" eaLnBrk="1" latinLnBrk="0" hangingPunct="1">
+      <a:defRPr sz="1200" kern="1200">
+        <a:solidFill>
+          <a:schemeClr val="tx1"/>
+        </a:solidFill>
+        <a:latin typeface="+mn-lt"/>
+        <a:ea typeface="+mn-ea"/>
+        <a:cs typeface="+mn-cs"/>
+      </a:defRPr>
+    </a:lvl5pPr>
+    <a:lvl6pPr marL="2286000" algn="l" defTabSz="914400" rtl="0" eaLnBrk="1" latinLnBrk="0" hangingPunct="1">
+      <a:defRPr sz="1200" kern="1200">
+        <a:solidFill>
+          <a:schemeClr val="tx1"/>
+        </a:solidFill>
+        <a:latin typeface="+mn-lt"/>
+        <a:ea typeface="+mn-ea"/>
+        <a:cs typeface="+mn-cs"/>
+      </a:defRPr>
+    </a:lvl6pPr>
+    <a:lvl7pPr marL="2743200" algn="l" defTabSz="914400" rtl="0" eaLnBrk="1" latinLnBrk="0" hangingPunct="1">
+      <a:defRPr sz="1200" kern="1200">
+        <a:solidFill>
+          <a:schemeClr val="tx1"/>
+        </a:solidFill>
+        <a:latin typeface="+mn-lt"/>
+        <a:ea typeface="+mn-ea"/>
+        <a:cs typeface="+mn-cs"/>
+      </a:defRPr>
+    </a:lvl7pPr>
+    <a:lvl8pPr marL="3200400" algn="l" defTabSz="914400" rtl="0" eaLnBrk="1" latinLnBrk="0" hangingPunct="1">
+      <a:defRPr sz="1200" kern="1200">
+        <a:solidFill>
+          <a:schemeClr val="tx1"/>
+        </a:solidFill>
+        <a:latin typeface="+mn-lt"/>
+        <a:ea typeface="+mn-ea"/>
+        <a:cs typeface="+mn-cs"/>
+      </a:defRPr>
+    </a:lvl8pPr>
+    <a:lvl9pPr marL="3657600" algn="l" defTabSz="914400" rtl="0" eaLnBrk="1" latinLnBrk="0" hangingPunct="1">
+      <a:defRPr sz="1200" kern="1200">
+        <a:solidFill>
+          <a:schemeClr val="tx1"/>
+        </a:solidFill>
+        <a:latin typeface="+mn-lt"/>
+        <a:ea typeface="+mn-ea"/>
+        <a:cs typeface="+mn-cs"/>
+      </a:defRPr>
+    </a:lvl9pPr>
+  </p:notesStyle>
+</p:notesMaster>
+</file>
+
+<file path=ppt/notesSlides/notesSlide1.xml><?xml version="1.0" encoding="utf-8"?>
+<p:notes xmlns:a="http://schemas.openxmlformats.org/drawingml/2006/main" xmlns:r="http://schemas.openxmlformats.org/officeDocument/2006/relationships" xmlns:p="http://schemas.openxmlformats.org/presentationml/2006/main">
+  <p:cSld>
+    <p:spTree>
+      <p:nvGrpSpPr>
+        <p:cNvPr id="1" name=""/>
+        <p:cNvGrpSpPr/>
+        <p:nvPr/>
+      </p:nvGrpSpPr>
+      <p:grpSpPr>
+        <a:xfrm>
+          <a:off x="0" y="0"/>
+          <a:ext cx="0" cy="0"/>
+          <a:chOff x="0" y="0"/>
+          <a:chExt cx="0" cy="0"/>
+        </a:xfrm>
+      </p:grpSpPr>
+      <p:sp>
+        <p:nvSpPr>
+          <p:cNvPr id="2" name="Diakép helye 1"/>
+          <p:cNvSpPr>
+            <a:spLocks noGrp="1" noRot="1" noChangeAspect="1"/>
+          </p:cNvSpPr>
+          <p:nvPr>
+            <p:ph type="sldImg"/>
+          </p:nvPr>
+        </p:nvSpPr>
+        <p:spPr/>
+      </p:sp>
+      <p:sp>
+        <p:nvSpPr>
+          <p:cNvPr id="3" name="Jegyzetek helye 2"/>
+          <p:cNvSpPr>
+            <a:spLocks noGrp="1"/>
+          </p:cNvSpPr>
+          <p:nvPr>
+            <p:ph type="body" idx="1"/>
+          </p:nvPr>
+        </p:nvSpPr>
+        <p:spPr/>
+        <p:txBody>
+          <a:bodyPr>
+            <a:normAutofit/>
+          </a:bodyPr>
+          <a:lstStyle/>
+          <a:p>
+            <a:endParaRPr lang="hu-HU"/>
+          </a:p>
+        </p:txBody>
+      </p:sp>
+      <p:sp>
+        <p:nvSpPr>
+          <p:cNvPr id="4" name="Dia számának helye 3"/>
+          <p:cNvSpPr>
+            <a:spLocks noGrp="1"/>
+          </p:cNvSpPr>
+          <p:nvPr>
+            <p:ph type="sldNum" sz="quarter" idx="10"/>
+          </p:nvPr>
+        </p:nvSpPr>
+        <p:spPr/>
+        <p:txBody>
+          <a:bodyPr/>
+          <a:lstStyle/>
+          <a:p>
+            <a:fld id="{400986A5-8407-4FFF-9559-5B7863F3D8EF}" type="slidenum">
+              <a:rPr lang="hu-HU" smtClean="0"/>
+              <a:t>1</a:t>
+            </a:fld>
+            <a:endParaRPr lang="hu-HU"/>
+          </a:p>
+        </p:txBody>
+      </p:sp>
+    </p:spTree>
+  </p:cSld>
+  <p:clrMapOvr>
+    <a:masterClrMapping/>
+  </p:clrMapOvr>
+</p:notes>
+</file>
+
+<file path=ppt/notesSlides/notesSlide2.xml><?xml version="1.0" encoding="utf-8"?>
+<p:notes xmlns:a="http://schemas.openxmlformats.org/drawingml/2006/main" xmlns:r="http://schemas.openxmlformats.org/officeDocument/2006/relationships" xmlns:p="http://schemas.openxmlformats.org/presentationml/2006/main">
+  <p:cSld>
+    <p:spTree>
+      <p:nvGrpSpPr>
+        <p:cNvPr id="1" name=""/>
+        <p:cNvGrpSpPr/>
+        <p:nvPr/>
+      </p:nvGrpSpPr>
+      <p:grpSpPr>
+        <a:xfrm>
+          <a:off x="0" y="0"/>
+          <a:ext cx="0" cy="0"/>
+          <a:chOff x="0" y="0"/>
+          <a:chExt cx="0" cy="0"/>
+        </a:xfrm>
+      </p:grpSpPr>
+      <p:sp>
+        <p:nvSpPr>
+          <p:cNvPr id="2" name="Diakép helye 1"/>
+          <p:cNvSpPr>
+            <a:spLocks noGrp="1" noRot="1" noChangeAspect="1"/>
+          </p:cNvSpPr>
+          <p:nvPr>
+            <p:ph type="sldImg"/>
+          </p:nvPr>
+        </p:nvSpPr>
+        <p:spPr/>
+      </p:sp>
+      <p:sp>
+        <p:nvSpPr>
+          <p:cNvPr id="3" name="Jegyzetek helye 2"/>
+          <p:cNvSpPr>
+            <a:spLocks noGrp="1"/>
+          </p:cNvSpPr>
+          <p:nvPr>
+            <p:ph type="body" idx="1"/>
+          </p:nvPr>
+        </p:nvSpPr>
+        <p:spPr/>
+        <p:txBody>
+          <a:bodyPr>
+            <a:normAutofit/>
+          </a:bodyPr>
+          <a:lstStyle/>
+          <a:p>
+            <a:endParaRPr lang="hu-HU"/>
+          </a:p>
+        </p:txBody>
+      </p:sp>
+      <p:sp>
+        <p:nvSpPr>
+          <p:cNvPr id="4" name="Dia számának helye 3"/>
+          <p:cNvSpPr>
+            <a:spLocks noGrp="1"/>
+          </p:cNvSpPr>
+          <p:nvPr>
+            <p:ph type="sldNum" sz="quarter" idx="10"/>
+          </p:nvPr>
+        </p:nvSpPr>
+        <p:spPr/>
+        <p:txBody>
+          <a:bodyPr/>
+          <a:lstStyle/>
+          <a:p>
+            <a:fld id="{400986A5-8407-4FFF-9559-5B7863F3D8EF}" type="slidenum">
+              <a:rPr lang="hu-HU" smtClean="0"/>
+              <a:t>2</a:t>
+            </a:fld>
+            <a:endParaRPr lang="hu-HU"/>
+          </a:p>
+        </p:txBody>
+      </p:sp>
+    </p:spTree>
+  </p:cSld>
+  <p:clrMapOvr>
+    <a:masterClrMapping/>
+  </p:clrMapOvr>
+</p:notes>
+</file>
+
+<file path=ppt/notesSlides/notesSlide3.xml><?xml version="1.0" encoding="utf-8"?>
+<p:notes xmlns:a="http://schemas.openxmlformats.org/drawingml/2006/main" xmlns:r="http://schemas.openxmlformats.org/officeDocument/2006/relationships" xmlns:p="http://schemas.openxmlformats.org/presentationml/2006/main">
+  <p:cSld>
+    <p:spTree>
+      <p:nvGrpSpPr>
+        <p:cNvPr id="1" name=""/>
+        <p:cNvGrpSpPr/>
+        <p:nvPr/>
+      </p:nvGrpSpPr>
+      <p:grpSpPr>
+        <a:xfrm>
+          <a:off x="0" y="0"/>
+          <a:ext cx="0" cy="0"/>
+          <a:chOff x="0" y="0"/>
+          <a:chExt cx="0" cy="0"/>
+        </a:xfrm>
+      </p:grpSpPr>
+      <p:sp>
+        <p:nvSpPr>
+          <p:cNvPr id="2" name="Diakép helye 1"/>
+          <p:cNvSpPr>
+            <a:spLocks noGrp="1" noRot="1" noChangeAspect="1"/>
+          </p:cNvSpPr>
+          <p:nvPr>
+            <p:ph type="sldImg"/>
+          </p:nvPr>
+        </p:nvSpPr>
+        <p:spPr/>
+      </p:sp>
+      <p:sp>
+        <p:nvSpPr>
+          <p:cNvPr id="3" name="Jegyzetek helye 2"/>
+          <p:cNvSpPr>
+            <a:spLocks noGrp="1"/>
+          </p:cNvSpPr>
+          <p:nvPr>
+            <p:ph type="body" idx="1"/>
+          </p:nvPr>
+        </p:nvSpPr>
+        <p:spPr/>
+        <p:txBody>
+          <a:bodyPr>
+            <a:normAutofit/>
+          </a:bodyPr>
+          <a:lstStyle/>
+          <a:p>
+            <a:endParaRPr lang="hu-HU"/>
+          </a:p>
+        </p:txBody>
+      </p:sp>
+      <p:sp>
+        <p:nvSpPr>
+          <p:cNvPr id="4" name="Dia számának helye 3"/>
+          <p:cNvSpPr>
+            <a:spLocks noGrp="1"/>
+          </p:cNvSpPr>
+          <p:nvPr>
+            <p:ph type="sldNum" sz="quarter" idx="10"/>
+          </p:nvPr>
+        </p:nvSpPr>
+        <p:spPr/>
+        <p:txBody>
+          <a:bodyPr/>
+          <a:lstStyle/>
+          <a:p>
+            <a:fld id="{400986A5-8407-4FFF-9559-5B7863F3D8EF}" type="slidenum">
+              <a:rPr lang="hu-HU" smtClean="0"/>
+              <a:t>3</a:t>
+            </a:fld>
+            <a:endParaRPr lang="hu-HU"/>
+          </a:p>
+        </p:txBody>
+      </p:sp>
+    </p:spTree>
+  </p:cSld>
+  <p:clrMapOvr>
+    <a:masterClrMapping/>
+  </p:clrMapOvr>
+</p:notes>
+</file>
+
+<file path=ppt/notesSlides/notesSlide4.xml><?xml version="1.0" encoding="utf-8"?>
+<p:notes xmlns:a="http://schemas.openxmlformats.org/drawingml/2006/main" xmlns:r="http://schemas.openxmlformats.org/officeDocument/2006/relationships" xmlns:p="http://schemas.openxmlformats.org/presentationml/2006/main">
+  <p:cSld>
+    <p:spTree>
+      <p:nvGrpSpPr>
+        <p:cNvPr id="1" name=""/>
+        <p:cNvGrpSpPr/>
+        <p:nvPr/>
+      </p:nvGrpSpPr>
+      <p:grpSpPr>
+        <a:xfrm>
+          <a:off x="0" y="0"/>
+          <a:ext cx="0" cy="0"/>
+          <a:chOff x="0" y="0"/>
+          <a:chExt cx="0" cy="0"/>
+        </a:xfrm>
+      </p:grpSpPr>
+      <p:sp>
+        <p:nvSpPr>
+          <p:cNvPr id="2" name="Diakép helye 1"/>
+          <p:cNvSpPr>
+            <a:spLocks noGrp="1" noRot="1" noChangeAspect="1"/>
+          </p:cNvSpPr>
+          <p:nvPr>
+            <p:ph type="sldImg"/>
+          </p:nvPr>
+        </p:nvSpPr>
+        <p:spPr/>
+      </p:sp>
+      <p:sp>
+        <p:nvSpPr>
+          <p:cNvPr id="3" name="Jegyzetek helye 2"/>
+          <p:cNvSpPr>
+            <a:spLocks noGrp="1"/>
+          </p:cNvSpPr>
+          <p:nvPr>
+            <p:ph type="body" idx="1"/>
+          </p:nvPr>
+        </p:nvSpPr>
+        <p:spPr/>
+        <p:txBody>
+          <a:bodyPr>
+            <a:normAutofit/>
+          </a:bodyPr>
+          <a:lstStyle/>
+          <a:p>
+            <a:endParaRPr lang="hu-HU" dirty="0" smtClean="0"/>
+          </a:p>
+        </p:txBody>
+      </p:sp>
+      <p:sp>
+        <p:nvSpPr>
+          <p:cNvPr id="4" name="Dia számának helye 3"/>
+          <p:cNvSpPr>
+            <a:spLocks noGrp="1"/>
+          </p:cNvSpPr>
+          <p:nvPr>
+            <p:ph type="sldNum" sz="quarter" idx="10"/>
+          </p:nvPr>
+        </p:nvSpPr>
+        <p:spPr/>
+        <p:txBody>
+          <a:bodyPr/>
+          <a:lstStyle/>
+          <a:p>
+            <a:fld id="{400986A5-8407-4FFF-9559-5B7863F3D8EF}" type="slidenum">
+              <a:rPr lang="hu-HU" smtClean="0"/>
+              <a:t>4</a:t>
+            </a:fld>
+            <a:endParaRPr lang="hu-HU"/>
+          </a:p>
+        </p:txBody>
+      </p:sp>
+    </p:spTree>
+  </p:cSld>
+  <p:clrMapOvr>
+    <a:masterClrMapping/>
+  </p:clrMapOvr>
+</p:notes>
+</file>
+
+<file path=ppt/notesSlides/notesSlide5.xml><?xml version="1.0" encoding="utf-8"?>
+<p:notes xmlns:a="http://schemas.openxmlformats.org/drawingml/2006/main" xmlns:r="http://schemas.openxmlformats.org/officeDocument/2006/relationships" xmlns:p="http://schemas.openxmlformats.org/presentationml/2006/main">
+  <p:cSld>
+    <p:spTree>
+      <p:nvGrpSpPr>
+        <p:cNvPr id="1" name=""/>
+        <p:cNvGrpSpPr/>
+        <p:nvPr/>
+      </p:nvGrpSpPr>
+      <p:grpSpPr>
+        <a:xfrm>
+          <a:off x="0" y="0"/>
+          <a:ext cx="0" cy="0"/>
+          <a:chOff x="0" y="0"/>
+          <a:chExt cx="0" cy="0"/>
+        </a:xfrm>
+      </p:grpSpPr>
+      <p:sp>
+        <p:nvSpPr>
+          <p:cNvPr id="2" name="Diakép helye 1"/>
+          <p:cNvSpPr>
+            <a:spLocks noGrp="1" noRot="1" noChangeAspect="1"/>
+          </p:cNvSpPr>
+          <p:nvPr>
+            <p:ph type="sldImg"/>
+          </p:nvPr>
+        </p:nvSpPr>
+        <p:spPr/>
+      </p:sp>
+      <p:sp>
+        <p:nvSpPr>
+          <p:cNvPr id="3" name="Jegyzetek helye 2"/>
+          <p:cNvSpPr>
+            <a:spLocks noGrp="1"/>
+          </p:cNvSpPr>
+          <p:nvPr>
+            <p:ph type="body" idx="1"/>
+          </p:nvPr>
+        </p:nvSpPr>
+        <p:spPr/>
+        <p:txBody>
+          <a:bodyPr>
+            <a:normAutofit/>
+          </a:bodyPr>
+          <a:lstStyle/>
+          <a:p>
+            <a:endParaRPr lang="hu-HU"/>
+          </a:p>
+        </p:txBody>
+      </p:sp>
+      <p:sp>
+        <p:nvSpPr>
+          <p:cNvPr id="4" name="Dia számának helye 3"/>
+          <p:cNvSpPr>
+            <a:spLocks noGrp="1"/>
+          </p:cNvSpPr>
+          <p:nvPr>
+            <p:ph type="sldNum" sz="quarter" idx="10"/>
+          </p:nvPr>
+        </p:nvSpPr>
+        <p:spPr/>
+        <p:txBody>
+          <a:bodyPr/>
+          <a:lstStyle/>
+          <a:p>
+            <a:fld id="{400986A5-8407-4FFF-9559-5B7863F3D8EF}" type="slidenum">
+              <a:rPr lang="hu-HU" smtClean="0"/>
+              <a:t>5</a:t>
+            </a:fld>
+            <a:endParaRPr lang="hu-HU"/>
+          </a:p>
+        </p:txBody>
+      </p:sp>
+    </p:spTree>
+  </p:cSld>
+  <p:clrMapOvr>
+    <a:masterClrMapping/>
+  </p:clrMapOvr>
+</p:notes>
+</file>
+
+<file path=ppt/notesSlides/notesSlide6.xml><?xml version="1.0" encoding="utf-8"?>
+<p:notes xmlns:a="http://schemas.openxmlformats.org/drawingml/2006/main" xmlns:r="http://schemas.openxmlformats.org/officeDocument/2006/relationships" xmlns:p="http://schemas.openxmlformats.org/presentationml/2006/main">
+  <p:cSld>
+    <p:spTree>
+      <p:nvGrpSpPr>
+        <p:cNvPr id="1" name=""/>
+        <p:cNvGrpSpPr/>
+        <p:nvPr/>
+      </p:nvGrpSpPr>
+      <p:grpSpPr>
+        <a:xfrm>
+          <a:off x="0" y="0"/>
+          <a:ext cx="0" cy="0"/>
+          <a:chOff x="0" y="0"/>
+          <a:chExt cx="0" cy="0"/>
+        </a:xfrm>
+      </p:grpSpPr>
+      <p:sp>
+        <p:nvSpPr>
+          <p:cNvPr id="2" name="Diakép helye 1"/>
+          <p:cNvSpPr>
+            <a:spLocks noGrp="1" noRot="1" noChangeAspect="1"/>
+          </p:cNvSpPr>
+          <p:nvPr>
+            <p:ph type="sldImg"/>
+          </p:nvPr>
+        </p:nvSpPr>
+        <p:spPr/>
+      </p:sp>
+      <p:sp>
+        <p:nvSpPr>
+          <p:cNvPr id="3" name="Jegyzetek helye 2"/>
+          <p:cNvSpPr>
+            <a:spLocks noGrp="1"/>
+          </p:cNvSpPr>
+          <p:nvPr>
+            <p:ph type="body" idx="1"/>
+          </p:nvPr>
+        </p:nvSpPr>
+        <p:spPr/>
+        <p:txBody>
+          <a:bodyPr>
+            <a:normAutofit/>
+          </a:bodyPr>
+          <a:lstStyle/>
+          <a:p>
+            <a:endParaRPr lang="hu-HU"/>
+          </a:p>
+        </p:txBody>
+      </p:sp>
+      <p:sp>
+        <p:nvSpPr>
+          <p:cNvPr id="4" name="Dia számának helye 3"/>
+          <p:cNvSpPr>
+            <a:spLocks noGrp="1"/>
+          </p:cNvSpPr>
+          <p:nvPr>
+            <p:ph type="sldNum" sz="quarter" idx="10"/>
+          </p:nvPr>
+        </p:nvSpPr>
+        <p:spPr/>
+        <p:txBody>
+          <a:bodyPr/>
+          <a:lstStyle/>
+          <a:p>
+            <a:fld id="{400986A5-8407-4FFF-9559-5B7863F3D8EF}" type="slidenum">
+              <a:rPr lang="hu-HU" smtClean="0"/>
+              <a:t>6</a:t>
+            </a:fld>
+            <a:endParaRPr lang="hu-HU"/>
+          </a:p>
+        </p:txBody>
+      </p:sp>
+    </p:spTree>
+  </p:cSld>
+  <p:clrMapOvr>
+    <a:masterClrMapping/>
+  </p:clrMapOvr>
+</p:notes>
+</file>
+
+<file path=ppt/notesSlides/notesSlide7.xml><?xml version="1.0" encoding="utf-8"?>
+<p:notes xmlns:a="http://schemas.openxmlformats.org/drawingml/2006/main" xmlns:r="http://schemas.openxmlformats.org/officeDocument/2006/relationships" xmlns:p="http://schemas.openxmlformats.org/presentationml/2006/main">
+  <p:cSld>
+    <p:spTree>
+      <p:nvGrpSpPr>
+        <p:cNvPr id="1" name=""/>
+        <p:cNvGrpSpPr/>
+        <p:nvPr/>
+      </p:nvGrpSpPr>
+      <p:grpSpPr>
+        <a:xfrm>
+          <a:off x="0" y="0"/>
+          <a:ext cx="0" cy="0"/>
+          <a:chOff x="0" y="0"/>
+          <a:chExt cx="0" cy="0"/>
+        </a:xfrm>
+      </p:grpSpPr>
+      <p:sp>
+        <p:nvSpPr>
+          <p:cNvPr id="2" name="Diakép helye 1"/>
+          <p:cNvSpPr>
+            <a:spLocks noGrp="1" noRot="1" noChangeAspect="1"/>
+          </p:cNvSpPr>
+          <p:nvPr>
+            <p:ph type="sldImg"/>
+          </p:nvPr>
+        </p:nvSpPr>
+        <p:spPr/>
+      </p:sp>
+      <p:sp>
+        <p:nvSpPr>
+          <p:cNvPr id="3" name="Jegyzetek helye 2"/>
+          <p:cNvSpPr>
+            <a:spLocks noGrp="1"/>
+          </p:cNvSpPr>
+          <p:nvPr>
+            <p:ph type="body" idx="1"/>
+          </p:nvPr>
+        </p:nvSpPr>
+        <p:spPr/>
+        <p:txBody>
+          <a:bodyPr>
+            <a:normAutofit/>
+          </a:bodyPr>
+          <a:lstStyle/>
+          <a:p>
+            <a:endParaRPr lang="hu-HU"/>
+          </a:p>
+        </p:txBody>
+      </p:sp>
+      <p:sp>
+        <p:nvSpPr>
+          <p:cNvPr id="4" name="Dia számának helye 3"/>
+          <p:cNvSpPr>
+            <a:spLocks noGrp="1"/>
+          </p:cNvSpPr>
+          <p:nvPr>
+            <p:ph type="sldNum" sz="quarter" idx="10"/>
+          </p:nvPr>
+        </p:nvSpPr>
+        <p:spPr/>
+        <p:txBody>
+          <a:bodyPr/>
+          <a:lstStyle/>
+          <a:p>
+            <a:fld id="{400986A5-8407-4FFF-9559-5B7863F3D8EF}" type="slidenum">
+              <a:rPr lang="hu-HU" smtClean="0"/>
+              <a:t>7</a:t>
+            </a:fld>
+            <a:endParaRPr lang="hu-HU"/>
+          </a:p>
+        </p:txBody>
+      </p:sp>
+    </p:spTree>
+  </p:cSld>
+  <p:clrMapOvr>
+    <a:masterClrMapping/>
+  </p:clrMapOvr>
+</p:notes>
+</file>
+
+<file path=ppt/notesSlides/notesSlide8.xml><?xml version="1.0" encoding="utf-8"?>
+<p:notes xmlns:a="http://schemas.openxmlformats.org/drawingml/2006/main" xmlns:r="http://schemas.openxmlformats.org/officeDocument/2006/relationships" xmlns:p="http://schemas.openxmlformats.org/presentationml/2006/main">
+  <p:cSld>
+    <p:spTree>
+      <p:nvGrpSpPr>
+        <p:cNvPr id="1" name=""/>
+        <p:cNvGrpSpPr/>
+        <p:nvPr/>
+      </p:nvGrpSpPr>
+      <p:grpSpPr>
+        <a:xfrm>
+          <a:off x="0" y="0"/>
+          <a:ext cx="0" cy="0"/>
+          <a:chOff x="0" y="0"/>
+          <a:chExt cx="0" cy="0"/>
+        </a:xfrm>
+      </p:grpSpPr>
+      <p:sp>
+        <p:nvSpPr>
+          <p:cNvPr id="2" name="Diakép helye 1"/>
+          <p:cNvSpPr>
+            <a:spLocks noGrp="1" noRot="1" noChangeAspect="1"/>
+          </p:cNvSpPr>
+          <p:nvPr>
+            <p:ph type="sldImg"/>
+          </p:nvPr>
+        </p:nvSpPr>
+        <p:spPr/>
+      </p:sp>
+      <p:sp>
+        <p:nvSpPr>
+          <p:cNvPr id="3" name="Jegyzetek helye 2"/>
+          <p:cNvSpPr>
+            <a:spLocks noGrp="1"/>
+          </p:cNvSpPr>
+          <p:nvPr>
+            <p:ph type="body" idx="1"/>
+          </p:nvPr>
+        </p:nvSpPr>
+        <p:spPr/>
+        <p:txBody>
+          <a:bodyPr>
+            <a:normAutofit/>
+          </a:bodyPr>
+          <a:lstStyle/>
+          <a:p>
+            <a:endParaRPr lang="hu-HU"/>
+          </a:p>
+        </p:txBody>
+      </p:sp>
+      <p:sp>
+        <p:nvSpPr>
+          <p:cNvPr id="4" name="Dia számának helye 3"/>
+          <p:cNvSpPr>
+            <a:spLocks noGrp="1"/>
+          </p:cNvSpPr>
+          <p:nvPr>
+            <p:ph type="sldNum" sz="quarter" idx="10"/>
+          </p:nvPr>
+        </p:nvSpPr>
+        <p:spPr/>
+        <p:txBody>
+          <a:bodyPr/>
+          <a:lstStyle/>
+          <a:p>
+            <a:fld id="{400986A5-8407-4FFF-9559-5B7863F3D8EF}" type="slidenum">
+              <a:rPr lang="hu-HU" smtClean="0"/>
+              <a:t>9</a:t>
+            </a:fld>
+            <a:endParaRPr lang="hu-HU"/>
+          </a:p>
+        </p:txBody>
+      </p:sp>
+    </p:spTree>
+  </p:cSld>
+  <p:clrMapOvr>
+    <a:masterClrMapping/>
+  </p:clrMapOvr>
+</p:notes>
+</file>
+
+<file path=ppt/notesSlides/notesSlide9.xml><?xml version="1.0" encoding="utf-8"?>
+<p:notes xmlns:a="http://schemas.openxmlformats.org/drawingml/2006/main" xmlns:r="http://schemas.openxmlformats.org/officeDocument/2006/relationships" xmlns:p="http://schemas.openxmlformats.org/presentationml/2006/main">
+  <p:cSld>
+    <p:spTree>
+      <p:nvGrpSpPr>
+        <p:cNvPr id="1" name=""/>
+        <p:cNvGrpSpPr/>
+        <p:nvPr/>
+      </p:nvGrpSpPr>
+      <p:grpSpPr>
+        <a:xfrm>
+          <a:off x="0" y="0"/>
+          <a:ext cx="0" cy="0"/>
+          <a:chOff x="0" y="0"/>
+          <a:chExt cx="0" cy="0"/>
+        </a:xfrm>
+      </p:grpSpPr>
+      <p:sp>
+        <p:nvSpPr>
+          <p:cNvPr id="2" name="Diakép helye 1"/>
+          <p:cNvSpPr>
+            <a:spLocks noGrp="1" noRot="1" noChangeAspect="1"/>
+          </p:cNvSpPr>
+          <p:nvPr>
+            <p:ph type="sldImg"/>
+          </p:nvPr>
+        </p:nvSpPr>
+        <p:spPr/>
+      </p:sp>
+      <p:sp>
+        <p:nvSpPr>
+          <p:cNvPr id="3" name="Jegyzetek helye 2"/>
+          <p:cNvSpPr>
+            <a:spLocks noGrp="1"/>
+          </p:cNvSpPr>
+          <p:nvPr>
+            <p:ph type="body" idx="1"/>
+          </p:nvPr>
+        </p:nvSpPr>
+        <p:spPr/>
+        <p:txBody>
+          <a:bodyPr>
+            <a:normAutofit/>
+          </a:bodyPr>
+          <a:lstStyle/>
+          <a:p>
+            <a:endParaRPr lang="hu-HU"/>
+          </a:p>
+        </p:txBody>
+      </p:sp>
+      <p:sp>
+        <p:nvSpPr>
+          <p:cNvPr id="4" name="Dia számának helye 3"/>
+          <p:cNvSpPr>
+            <a:spLocks noGrp="1"/>
+          </p:cNvSpPr>
+          <p:nvPr>
+            <p:ph type="sldNum" sz="quarter" idx="10"/>
+          </p:nvPr>
+        </p:nvSpPr>
+        <p:spPr/>
+        <p:txBody>
+          <a:bodyPr/>
+          <a:lstStyle/>
+          <a:p>
+            <a:fld id="{400986A5-8407-4FFF-9559-5B7863F3D8EF}" type="slidenum">
+              <a:rPr lang="hu-HU" smtClean="0"/>
+              <a:t>10</a:t>
+            </a:fld>
+            <a:endParaRPr lang="hu-HU"/>
+          </a:p>
+        </p:txBody>
+      </p:sp>
+    </p:spTree>
+  </p:cSld>
+  <p:clrMapOvr>
+    <a:masterClrMapping/>
+  </p:clrMapOvr>
+</p:notes>
 </file>
 
 <file path=ppt/slideLayouts/slideLayout1.xml><?xml version="1.0" encoding="utf-8"?>
@@ -297,7 +1380,7 @@
             <a:fld id="{98AD18EB-34C1-4E87-9231-877E18121FAC}" type="datetimeFigureOut">
               <a:rPr lang="hu-HU" smtClean="0"/>
               <a:pPr/>
-              <a:t>2022. 03. 27.</a:t>
+              <a:t>2022. 04. 20.</a:t>
             </a:fld>
             <a:endParaRPr lang="hu-HU"/>
           </a:p>
@@ -464,7 +1547,7 @@
             <a:fld id="{98AD18EB-34C1-4E87-9231-877E18121FAC}" type="datetimeFigureOut">
               <a:rPr lang="hu-HU" smtClean="0"/>
               <a:pPr/>
-              <a:t>2022. 03. 27.</a:t>
+              <a:t>2022. 04. 20.</a:t>
             </a:fld>
             <a:endParaRPr lang="hu-HU"/>
           </a:p>
@@ -641,7 +1724,7 @@
             <a:fld id="{98AD18EB-34C1-4E87-9231-877E18121FAC}" type="datetimeFigureOut">
               <a:rPr lang="hu-HU" smtClean="0"/>
               <a:pPr/>
-              <a:t>2022. 03. 27.</a:t>
+              <a:t>2022. 04. 20.</a:t>
             </a:fld>
             <a:endParaRPr lang="hu-HU"/>
           </a:p>
@@ -808,7 +1891,7 @@
             <a:fld id="{98AD18EB-34C1-4E87-9231-877E18121FAC}" type="datetimeFigureOut">
               <a:rPr lang="hu-HU" smtClean="0"/>
               <a:pPr/>
-              <a:t>2022. 03. 27.</a:t>
+              <a:t>2022. 04. 20.</a:t>
             </a:fld>
             <a:endParaRPr lang="hu-HU"/>
           </a:p>
@@ -1047,7 +2130,7 @@
             <a:fld id="{98AD18EB-34C1-4E87-9231-877E18121FAC}" type="datetimeFigureOut">
               <a:rPr lang="hu-HU" smtClean="0"/>
               <a:pPr/>
-              <a:t>2022. 03. 27.</a:t>
+              <a:t>2022. 04. 20.</a:t>
             </a:fld>
             <a:endParaRPr lang="hu-HU"/>
           </a:p>
@@ -1313,7 +2396,7 @@
             <a:fld id="{98AD18EB-34C1-4E87-9231-877E18121FAC}" type="datetimeFigureOut">
               <a:rPr lang="hu-HU" smtClean="0"/>
               <a:pPr/>
-              <a:t>2022. 03. 27.</a:t>
+              <a:t>2022. 04. 20.</a:t>
             </a:fld>
             <a:endParaRPr lang="hu-HU"/>
           </a:p>
@@ -1693,7 +2776,7 @@
             <a:fld id="{98AD18EB-34C1-4E87-9231-877E18121FAC}" type="datetimeFigureOut">
               <a:rPr lang="hu-HU" smtClean="0"/>
               <a:pPr/>
-              <a:t>2022. 03. 27.</a:t>
+              <a:t>2022. 04. 20.</a:t>
             </a:fld>
             <a:endParaRPr lang="hu-HU"/>
           </a:p>
@@ -1845,7 +2928,7 @@
             <a:fld id="{98AD18EB-34C1-4E87-9231-877E18121FAC}" type="datetimeFigureOut">
               <a:rPr lang="hu-HU" smtClean="0"/>
               <a:pPr/>
-              <a:t>2022. 03. 27.</a:t>
+              <a:t>2022. 04. 20.</a:t>
             </a:fld>
             <a:endParaRPr lang="hu-HU"/>
           </a:p>
@@ -1937,7 +3020,7 @@
             <a:fld id="{98AD18EB-34C1-4E87-9231-877E18121FAC}" type="datetimeFigureOut">
               <a:rPr lang="hu-HU" smtClean="0"/>
               <a:pPr/>
-              <a:t>2022. 03. 27.</a:t>
+              <a:t>2022. 04. 20.</a:t>
             </a:fld>
             <a:endParaRPr lang="hu-HU"/>
           </a:p>
@@ -2200,7 +3283,7 @@
             <a:fld id="{98AD18EB-34C1-4E87-9231-877E18121FAC}" type="datetimeFigureOut">
               <a:rPr lang="hu-HU" smtClean="0"/>
               <a:pPr/>
-              <a:t>2022. 03. 27.</a:t>
+              <a:t>2022. 04. 20.</a:t>
             </a:fld>
             <a:endParaRPr lang="hu-HU"/>
           </a:p>
@@ -2490,7 +3573,7 @@
             <a:fld id="{98AD18EB-34C1-4E87-9231-877E18121FAC}" type="datetimeFigureOut">
               <a:rPr lang="hu-HU" smtClean="0"/>
               <a:pPr/>
-              <a:t>2022. 03. 27.</a:t>
+              <a:t>2022. 04. 20.</a:t>
             </a:fld>
             <a:endParaRPr lang="hu-HU"/>
           </a:p>
@@ -3279,7 +4362,7 @@
             <a:fld id="{98AD18EB-34C1-4E87-9231-877E18121FAC}" type="datetimeFigureOut">
               <a:rPr lang="hu-HU" smtClean="0"/>
               <a:pPr/>
-              <a:t>2022. 03. 27.</a:t>
+              <a:t>2022. 04. 20.</a:t>
             </a:fld>
             <a:endParaRPr lang="hu-HU"/>
           </a:p>
@@ -3976,13 +5059,145 @@
     </p:spTree>
     <p:extLst>
       <p:ext uri="{BB962C8B-B14F-4D97-AF65-F5344CB8AC3E}">
-        <p14:creationId xmlns="" xmlns:p14="http://schemas.microsoft.com/office/powerpoint/2010/main" val="2645818704"/>
+        <p14:creationId xmlns:p14="http://schemas.microsoft.com/office/powerpoint/2010/main" xmlns="" val="2645818704"/>
       </p:ext>
     </p:extLst>
   </p:cSld>
   <p:clrMapOvr>
     <a:masterClrMapping/>
   </p:clrMapOvr>
+  <p:timing>
+    <p:tnLst>
+      <p:par>
+        <p:cTn id="1" dur="indefinite" restart="never" nodeType="tmRoot"/>
+      </p:par>
+    </p:tnLst>
+  </p:timing>
+</p:sld>
+</file>
+
+<file path=ppt/slides/slide10.xml><?xml version="1.0" encoding="utf-8"?>
+<p:sld xmlns:a="http://schemas.openxmlformats.org/drawingml/2006/main" xmlns:r="http://schemas.openxmlformats.org/officeDocument/2006/relationships" xmlns:p="http://schemas.openxmlformats.org/presentationml/2006/main" show="0">
+  <p:cSld>
+    <p:spTree>
+      <p:nvGrpSpPr>
+        <p:cNvPr id="1" name=""/>
+        <p:cNvGrpSpPr/>
+        <p:nvPr/>
+      </p:nvGrpSpPr>
+      <p:grpSpPr>
+        <a:xfrm>
+          <a:off x="0" y="0"/>
+          <a:ext cx="0" cy="0"/>
+          <a:chOff x="0" y="0"/>
+          <a:chExt cx="0" cy="0"/>
+        </a:xfrm>
+      </p:grpSpPr>
+      <p:sp>
+        <p:nvSpPr>
+          <p:cNvPr id="2" name="Cím 1"/>
+          <p:cNvSpPr>
+            <a:spLocks noGrp="1"/>
+          </p:cNvSpPr>
+          <p:nvPr>
+            <p:ph type="title"/>
+          </p:nvPr>
+        </p:nvSpPr>
+        <p:spPr/>
+        <p:txBody>
+          <a:bodyPr>
+            <a:normAutofit/>
+          </a:bodyPr>
+          <a:lstStyle/>
+          <a:p>
+            <a:r>
+              <a:rPr lang="hu-HU" dirty="0" smtClean="0"/>
+              <a:t>Program tesztelés</a:t>
+            </a:r>
+            <a:endParaRPr lang="hu-HU" dirty="0"/>
+          </a:p>
+        </p:txBody>
+      </p:sp>
+      <p:sp>
+        <p:nvSpPr>
+          <p:cNvPr id="3" name="Tartalom helye 2"/>
+          <p:cNvSpPr>
+            <a:spLocks noGrp="1"/>
+          </p:cNvSpPr>
+          <p:nvPr>
+            <p:ph idx="1"/>
+          </p:nvPr>
+        </p:nvSpPr>
+        <p:spPr/>
+        <p:txBody>
+          <a:bodyPr>
+            <a:normAutofit lnSpcReduction="10000"/>
+          </a:bodyPr>
+          <a:lstStyle/>
+          <a:p>
+            <a:r>
+              <a:rPr lang="hu-HU" dirty="0" smtClean="0"/>
+              <a:t>Átugrás böngészőbe, ne az összes funkciót mutasd meg, csak ami egyedi, </a:t>
+            </a:r>
+          </a:p>
+          <a:p>
+            <a:r>
+              <a:rPr lang="hu-HU" dirty="0" err="1" smtClean="0"/>
+              <a:t>Adminként</a:t>
+            </a:r>
+            <a:r>
+              <a:rPr lang="hu-HU" dirty="0" smtClean="0"/>
+              <a:t> is lépj be, mutasd a tesztet konkrét adatokkal(készülj fel adatokkal), de gyors legyen</a:t>
+            </a:r>
+          </a:p>
+          <a:p>
+            <a:r>
+              <a:rPr lang="hu-HU" dirty="0" smtClean="0"/>
+              <a:t>Folyamatot mutass be, pl. feltöltesz, megnézed, megrendeled</a:t>
+            </a:r>
+          </a:p>
+          <a:p>
+            <a:endParaRPr lang="hu-HU" dirty="0" smtClean="0"/>
+          </a:p>
+          <a:p>
+            <a:r>
+              <a:rPr lang="hu-HU" dirty="0" smtClean="0"/>
+              <a:t>Prezentáció: 9-10 perc</a:t>
+            </a:r>
+          </a:p>
+          <a:p>
+            <a:r>
+              <a:rPr lang="hu-HU" dirty="0" smtClean="0"/>
+              <a:t>Program teszt: 2-3 perc</a:t>
+            </a:r>
+          </a:p>
+          <a:p>
+            <a:r>
+              <a:rPr lang="hu-HU" dirty="0" smtClean="0"/>
+              <a:t>Kérdést kapsz: 2-3 perc</a:t>
+            </a:r>
+            <a:endParaRPr lang="hu-HU" dirty="0"/>
+          </a:p>
+        </p:txBody>
+      </p:sp>
+    </p:spTree>
+    <p:extLst>
+      <p:ext uri="{BB962C8B-B14F-4D97-AF65-F5344CB8AC3E}">
+        <p14:creationId xmlns:p14="http://schemas.microsoft.com/office/powerpoint/2010/main" xmlns="" val="3687622588"/>
+      </p:ext>
+    </p:extLst>
+  </p:cSld>
+  <p:clrMapOvr>
+    <a:masterClrMapping/>
+  </p:clrMapOvr>
+  <p:transition/>
+  <p:timing>
+    <p:tnLst>
+      <p:par>
+        <p:cTn id="1" dur="indefinite" restart="never" nodeType="tmRoot"/>
+      </p:par>
+    </p:tnLst>
+  </p:timing>
 </p:sld>
 </file>
 
@@ -4019,10 +5234,10 @@
           <a:lstStyle/>
           <a:p>
             <a:r>
-              <a:rPr lang="hu-HU" dirty="0" smtClean="0"/>
+              <a:rPr lang="hu-HU" b="1" dirty="0" smtClean="0"/>
               <a:t>Témaválasztás</a:t>
             </a:r>
-            <a:endParaRPr lang="hu-HU" dirty="0"/>
+            <a:endParaRPr lang="hu-HU" b="1" dirty="0"/>
           </a:p>
         </p:txBody>
       </p:sp>
@@ -4132,21 +5347,9 @@
             </a:r>
             <a:r>
               <a:rPr lang="hu-HU" dirty="0" smtClean="0">
-                <a:hlinkClick r:id="rId2"/>
+                <a:hlinkClick r:id="rId3"/>
               </a:rPr>
-              <a:t>https</a:t>
-            </a:r>
-            <a:r>
-              <a:rPr lang="hu-HU" dirty="0" smtClean="0">
-                <a:hlinkClick r:id="rId2"/>
-              </a:rPr>
-              <a:t>://</a:t>
-            </a:r>
-            <a:r>
-              <a:rPr lang="hu-HU" dirty="0" smtClean="0">
-                <a:hlinkClick r:id="rId2"/>
-              </a:rPr>
-              <a:t>github.com/ProFreshCash/mobilfrontendanyagok.git</a:t>
+              <a:t>https://github.com/ProFreshCash/mobilfrontendanyagok.git</a:t>
             </a:r>
             <a:endParaRPr lang="hu-HU" dirty="0" smtClean="0"/>
           </a:p>
@@ -4160,15 +5363,9 @@
             </a:r>
             <a:r>
               <a:rPr lang="hu-HU" sz="1600" dirty="0" smtClean="0">
-                <a:hlinkClick r:id="rId3"/>
+                <a:hlinkClick r:id="rId4"/>
               </a:rPr>
-              <a:t>https://</a:t>
-            </a:r>
-            <a:r>
-              <a:rPr lang="hu-HU" sz="1600" dirty="0" smtClean="0">
-                <a:hlinkClick r:id="rId3"/>
-              </a:rPr>
-              <a:t>github.com/ProFreshCash/mobilbackendanyagok.git</a:t>
+              <a:t>https://github.com/ProFreshCash/mobilbackendanyagok.git</a:t>
             </a:r>
             <a:endParaRPr lang="hu-HU" sz="1600" dirty="0" smtClean="0"/>
           </a:p>
@@ -4182,15 +5379,9 @@
             </a:r>
             <a:r>
               <a:rPr lang="hu-HU" sz="1600" dirty="0" smtClean="0">
-                <a:hlinkClick r:id="rId4"/>
+                <a:hlinkClick r:id="rId5"/>
               </a:rPr>
-              <a:t>https://</a:t>
-            </a:r>
-            <a:r>
-              <a:rPr lang="hu-HU" sz="1600" dirty="0" smtClean="0">
-                <a:hlinkClick r:id="rId4"/>
-              </a:rPr>
-              <a:t>github.com/ProFreshCash/webanyagokfrontend.git</a:t>
+              <a:t>https://github.com/ProFreshCash/webanyagokfrontend.git</a:t>
             </a:r>
             <a:endParaRPr lang="hu-HU" sz="1600" dirty="0" smtClean="0"/>
           </a:p>
@@ -4200,8 +5391,26 @@
             </a:pPr>
             <a:r>
               <a:rPr lang="hu-HU" sz="1600" dirty="0" smtClean="0"/>
-              <a:t>	https://github.com/ProFreshCash/webanyagokbackend.git</a:t>
-            </a:r>
+              <a:t>	</a:t>
+            </a:r>
+            <a:r>
+              <a:rPr lang="hu-HU" sz="1600" dirty="0" smtClean="0">
+                <a:hlinkClick r:id="rId6"/>
+              </a:rPr>
+              <a:t>https://</a:t>
+            </a:r>
+            <a:r>
+              <a:rPr lang="hu-HU" sz="1600" dirty="0" smtClean="0">
+                <a:hlinkClick r:id="rId6"/>
+              </a:rPr>
+              <a:t>github.com/ProFreshCash/webanyagokbackend.git</a:t>
+            </a:r>
+            <a:endParaRPr lang="hu-HU" sz="1600" dirty="0" smtClean="0"/>
+          </a:p>
+          <a:p>
+            <a:pPr marL="633095" lvl="8" indent="0">
+              <a:buNone/>
+            </a:pPr>
             <a:endParaRPr lang="hu-HU" sz="1600" dirty="0" smtClean="0"/>
           </a:p>
         </p:txBody>
@@ -4209,13 +5418,20 @@
     </p:spTree>
     <p:extLst>
       <p:ext uri="{BB962C8B-B14F-4D97-AF65-F5344CB8AC3E}">
-        <p14:creationId xmlns="" xmlns:p14="http://schemas.microsoft.com/office/powerpoint/2010/main" val="598232889"/>
+        <p14:creationId xmlns:p14="http://schemas.microsoft.com/office/powerpoint/2010/main" xmlns="" val="598232889"/>
       </p:ext>
     </p:extLst>
   </p:cSld>
   <p:clrMapOvr>
     <a:masterClrMapping/>
   </p:clrMapOvr>
+  <p:timing>
+    <p:tnLst>
+      <p:par>
+        <p:cTn id="1" dur="indefinite" restart="never" nodeType="tmRoot"/>
+      </p:par>
+    </p:tnLst>
+  </p:timing>
 </p:sld>
 </file>
 
@@ -4252,10 +5468,10 @@
           <a:lstStyle/>
           <a:p>
             <a:r>
-              <a:rPr lang="hu-HU" dirty="0" smtClean="0"/>
+              <a:rPr lang="hu-HU" b="1" dirty="0" smtClean="0"/>
               <a:t>Adatmodell</a:t>
             </a:r>
-            <a:endParaRPr lang="hu-HU" dirty="0"/>
+            <a:endParaRPr lang="hu-HU" b="1" dirty="0"/>
           </a:p>
         </p:txBody>
       </p:sp>
@@ -4270,7 +5486,7 @@
           </p:nvPr>
         </p:nvPicPr>
         <p:blipFill>
-          <a:blip r:embed="rId2"/>
+          <a:blip r:embed="rId3"/>
           <a:stretch>
             <a:fillRect/>
           </a:stretch>
@@ -4285,13 +5501,20 @@
     </p:spTree>
     <p:extLst>
       <p:ext uri="{BB962C8B-B14F-4D97-AF65-F5344CB8AC3E}">
-        <p14:creationId xmlns="" xmlns:p14="http://schemas.microsoft.com/office/powerpoint/2010/main" val="2560700038"/>
+        <p14:creationId xmlns:p14="http://schemas.microsoft.com/office/powerpoint/2010/main" xmlns="" val="2560700038"/>
       </p:ext>
     </p:extLst>
   </p:cSld>
   <p:clrMapOvr>
     <a:masterClrMapping/>
   </p:clrMapOvr>
+  <p:timing>
+    <p:tnLst>
+      <p:par>
+        <p:cTn id="1" dur="indefinite" restart="never" nodeType="tmRoot"/>
+      </p:par>
+    </p:tnLst>
+  </p:timing>
 </p:sld>
 </file>
 
@@ -4322,116 +5545,61 @@
             <p:ph type="title"/>
           </p:nvPr>
         </p:nvSpPr>
-        <p:spPr/>
+        <p:spPr>
+          <a:xfrm>
+            <a:off x="500034" y="142852"/>
+            <a:ext cx="8229600" cy="1143000"/>
+          </a:xfrm>
+        </p:spPr>
         <p:txBody>
           <a:bodyPr/>
           <a:lstStyle/>
           <a:p>
-            <a:r>
-              <a:rPr lang="hu-HU" dirty="0" smtClean="0"/>
-              <a:t>Menürendszer</a:t>
-            </a:r>
-            <a:endParaRPr lang="hu-HU" dirty="0"/>
-          </a:p>
-        </p:txBody>
-      </p:sp>
-      <p:sp>
-        <p:nvSpPr>
-          <p:cNvPr id="3" name="Tartalom helye 2"/>
-          <p:cNvSpPr>
-            <a:spLocks noGrp="1"/>
-          </p:cNvSpPr>
-          <p:nvPr>
-            <p:ph idx="1"/>
-          </p:nvPr>
-        </p:nvSpPr>
-        <p:spPr/>
-        <p:txBody>
-          <a:bodyPr/>
-          <a:lstStyle/>
-          <a:p>
-            <a:r>
-              <a:rPr lang="hu-HU" dirty="0" smtClean="0"/>
-              <a:t>Menürendszer bemutatása</a:t>
-            </a:r>
-          </a:p>
-          <a:p>
-            <a:r>
-              <a:rPr lang="hu-HU" dirty="0" smtClean="0"/>
-              <a:t>Képek a </a:t>
-            </a:r>
-            <a:r>
-              <a:rPr lang="hu-HU" dirty="0" err="1" smtClean="0"/>
-              <a:t>progiról</a:t>
-            </a:r>
-            <a:r>
-              <a:rPr lang="hu-HU" dirty="0"/>
-              <a:t>, funkciókról, Nem bej., </a:t>
-            </a:r>
-            <a:r>
-              <a:rPr lang="hu-HU" dirty="0" err="1"/>
-              <a:t>bej</a:t>
-            </a:r>
-            <a:r>
-              <a:rPr lang="hu-HU" dirty="0"/>
-              <a:t>. és </a:t>
-            </a:r>
-            <a:r>
-              <a:rPr lang="hu-HU" dirty="0" err="1"/>
-              <a:t>admin</a:t>
-            </a:r>
-            <a:r>
-              <a:rPr lang="hu-HU" dirty="0"/>
-              <a:t> funkciók</a:t>
-            </a:r>
-          </a:p>
-          <a:p>
-            <a:r>
-              <a:rPr lang="hu-HU" dirty="0" smtClean="0"/>
-              <a:t>Tesztesetek </a:t>
-            </a:r>
-            <a:r>
-              <a:rPr lang="hu-HU" dirty="0"/>
-              <a:t>bemutatása képekkel, pl. egy </a:t>
-            </a:r>
-            <a:r>
-              <a:rPr lang="hu-HU" dirty="0" smtClean="0"/>
-              <a:t>űrlap</a:t>
-            </a:r>
-          </a:p>
-          <a:p>
-            <a:r>
-              <a:rPr lang="hu-HU" dirty="0" smtClean="0"/>
-              <a:t>4- 5 dia, több is lehet</a:t>
-            </a:r>
-          </a:p>
-          <a:p>
-            <a:r>
-              <a:rPr lang="hu-HU" dirty="0" smtClean="0"/>
-              <a:t>FONTOS: cím, nagy kép, szöveg </a:t>
-            </a:r>
-            <a:r>
-              <a:rPr lang="hu-HU" dirty="0" err="1" smtClean="0"/>
-              <a:t>max</a:t>
-            </a:r>
-            <a:r>
-              <a:rPr lang="hu-HU" dirty="0" smtClean="0"/>
-              <a:t>. pár szó</a:t>
-            </a:r>
-            <a:endParaRPr lang="hu-HU" dirty="0"/>
-          </a:p>
-        </p:txBody>
-      </p:sp>
+            <a:pPr algn="ctr"/>
+            <a:r>
+              <a:rPr lang="hu-HU" b="1" dirty="0" smtClean="0"/>
+              <a:t>Új anyag felvitele</a:t>
+            </a:r>
+            <a:endParaRPr lang="hu-HU" b="1" dirty="0"/>
+          </a:p>
+        </p:txBody>
+      </p:sp>
+      <p:pic>
+        <p:nvPicPr>
+          <p:cNvPr id="4" name="Kép 3" descr="felviteluj.PNG"/>
+          <p:cNvPicPr>
+            <a:picLocks noChangeAspect="1"/>
+          </p:cNvPicPr>
+          <p:nvPr/>
+        </p:nvPicPr>
+        <p:blipFill>
+          <a:blip r:embed="rId3"/>
+          <a:stretch>
+            <a:fillRect/>
+          </a:stretch>
+        </p:blipFill>
+        <p:spPr>
+          <a:xfrm>
+            <a:off x="928662" y="1428736"/>
+            <a:ext cx="7072362" cy="4107027"/>
+          </a:xfrm>
+          <a:prstGeom prst="rect">
+            <a:avLst/>
+          </a:prstGeom>
+        </p:spPr>
+      </p:pic>
     </p:spTree>
-    <p:extLst>
-      <p:ext uri="{BB962C8B-B14F-4D97-AF65-F5344CB8AC3E}">
-        <p14:creationId xmlns="" xmlns:p14="http://schemas.microsoft.com/office/powerpoint/2010/main" val="3084700984"/>
-      </p:ext>
-    </p:extLst>
   </p:cSld>
   <p:clrMapOvr>
     <a:masterClrMapping/>
   </p:clrMapOvr>
+  <p:timing>
+    <p:tnLst>
+      <p:par>
+        <p:cTn id="1" dur="indefinite" restart="never" nodeType="tmRoot"/>
+      </p:par>
+    </p:tnLst>
+  </p:timing>
 </p:sld>
 </file>
 
@@ -4462,75 +5630,61 @@
             <p:ph type="title"/>
           </p:nvPr>
         </p:nvSpPr>
-        <p:spPr/>
+        <p:spPr>
+          <a:xfrm>
+            <a:off x="571472" y="142852"/>
+            <a:ext cx="8229600" cy="857272"/>
+          </a:xfrm>
+        </p:spPr>
         <p:txBody>
           <a:bodyPr/>
           <a:lstStyle/>
           <a:p>
-            <a:r>
-              <a:rPr lang="hu-HU" dirty="0" smtClean="0"/>
-              <a:t>Program megvalósítása</a:t>
-            </a:r>
-            <a:endParaRPr lang="hu-HU" dirty="0"/>
-          </a:p>
-        </p:txBody>
-      </p:sp>
-      <p:sp>
-        <p:nvSpPr>
-          <p:cNvPr id="3" name="Tartalom helye 2"/>
-          <p:cNvSpPr>
-            <a:spLocks noGrp="1"/>
-          </p:cNvSpPr>
-          <p:nvPr>
-            <p:ph idx="1"/>
-          </p:nvPr>
-        </p:nvSpPr>
-        <p:spPr/>
-        <p:txBody>
-          <a:bodyPr/>
-          <a:lstStyle/>
-          <a:p>
-            <a:r>
-              <a:rPr lang="hu-HU" dirty="0" smtClean="0"/>
-              <a:t>Programozói megoldások, 1-2 kiemelése, programkód pl. php és </a:t>
-            </a:r>
-            <a:r>
-              <a:rPr lang="hu-HU" dirty="0" err="1" smtClean="0"/>
-              <a:t>js</a:t>
-            </a:r>
-            <a:endParaRPr lang="hu-HU" dirty="0" smtClean="0"/>
-          </a:p>
-          <a:p>
-            <a:r>
-              <a:rPr lang="hu-HU" dirty="0" smtClean="0"/>
-              <a:t>Nehézséget, kihívást mi okozott, hogy oldottad meg</a:t>
-            </a:r>
-          </a:p>
-          <a:p>
-            <a:r>
-              <a:rPr lang="hu-HU" dirty="0" smtClean="0"/>
-              <a:t>Szövegrészek kiemelése</a:t>
-            </a:r>
-          </a:p>
-          <a:p>
-            <a:r>
-              <a:rPr lang="hu-HU" dirty="0" smtClean="0"/>
-              <a:t>1-2 dia</a:t>
-            </a:r>
-            <a:endParaRPr lang="hu-HU" dirty="0"/>
-          </a:p>
-        </p:txBody>
-      </p:sp>
+            <a:pPr algn="ctr"/>
+            <a:r>
+              <a:rPr lang="hu-HU" b="1" dirty="0" smtClean="0"/>
+              <a:t>Anyag törlése</a:t>
+            </a:r>
+            <a:endParaRPr lang="hu-HU" b="1" dirty="0"/>
+          </a:p>
+        </p:txBody>
+      </p:sp>
+      <p:pic>
+        <p:nvPicPr>
+          <p:cNvPr id="4" name="Kép 3" descr="anyagtorles.PNG"/>
+          <p:cNvPicPr>
+            <a:picLocks noChangeAspect="1"/>
+          </p:cNvPicPr>
+          <p:nvPr/>
+        </p:nvPicPr>
+        <p:blipFill>
+          <a:blip r:embed="rId3"/>
+          <a:stretch>
+            <a:fillRect/>
+          </a:stretch>
+        </p:blipFill>
+        <p:spPr>
+          <a:xfrm>
+            <a:off x="3214678" y="1142984"/>
+            <a:ext cx="2928958" cy="5429264"/>
+          </a:xfrm>
+          <a:prstGeom prst="rect">
+            <a:avLst/>
+          </a:prstGeom>
+        </p:spPr>
+      </p:pic>
     </p:spTree>
-    <p:extLst>
-      <p:ext uri="{BB962C8B-B14F-4D97-AF65-F5344CB8AC3E}">
-        <p14:creationId xmlns="" xmlns:p14="http://schemas.microsoft.com/office/powerpoint/2010/main" val="3631297354"/>
-      </p:ext>
-    </p:extLst>
   </p:cSld>
   <p:clrMapOvr>
     <a:masterClrMapping/>
   </p:clrMapOvr>
+  <p:timing>
+    <p:tnLst>
+      <p:par>
+        <p:cTn id="1" dur="indefinite" restart="never" nodeType="tmRoot"/>
+      </p:par>
+    </p:tnLst>
+  </p:timing>
 </p:sld>
 </file>
 
@@ -4561,16 +5715,247 @@
             <p:ph type="title"/>
           </p:nvPr>
         </p:nvSpPr>
-        <p:spPr/>
-        <p:txBody>
-          <a:bodyPr>
-            <a:normAutofit/>
-          </a:bodyPr>
+        <p:spPr>
+          <a:xfrm>
+            <a:off x="428596" y="0"/>
+            <a:ext cx="8229600" cy="1143000"/>
+          </a:xfrm>
+        </p:spPr>
+        <p:txBody>
+          <a:bodyPr/>
+          <a:lstStyle/>
+          <a:p>
+            <a:pPr algn="ctr"/>
+            <a:r>
+              <a:rPr lang="hu-HU" b="1" dirty="0" smtClean="0"/>
+              <a:t>Rendelés feladása</a:t>
+            </a:r>
+            <a:endParaRPr lang="hu-HU" b="1" dirty="0"/>
+          </a:p>
+        </p:txBody>
+      </p:sp>
+      <p:pic>
+        <p:nvPicPr>
+          <p:cNvPr id="4" name="Kép 3" descr="rendelesleadas.PNG"/>
+          <p:cNvPicPr>
+            <a:picLocks noChangeAspect="1"/>
+          </p:cNvPicPr>
+          <p:nvPr/>
+        </p:nvPicPr>
+        <p:blipFill>
+          <a:blip r:embed="rId3"/>
+          <a:stretch>
+            <a:fillRect/>
+          </a:stretch>
+        </p:blipFill>
+        <p:spPr>
+          <a:xfrm>
+            <a:off x="1214414" y="1500174"/>
+            <a:ext cx="6706536" cy="4467849"/>
+          </a:xfrm>
+          <a:prstGeom prst="rect">
+            <a:avLst/>
+          </a:prstGeom>
+        </p:spPr>
+      </p:pic>
+    </p:spTree>
+  </p:cSld>
+  <p:clrMapOvr>
+    <a:masterClrMapping/>
+  </p:clrMapOvr>
+  <p:timing>
+    <p:tnLst>
+      <p:par>
+        <p:cTn id="1" dur="indefinite" restart="never" nodeType="tmRoot"/>
+      </p:par>
+    </p:tnLst>
+  </p:timing>
+</p:sld>
+</file>
+
+<file path=ppt/slides/slide7.xml><?xml version="1.0" encoding="utf-8"?>
+<p:sld xmlns:a="http://schemas.openxmlformats.org/drawingml/2006/main" xmlns:r="http://schemas.openxmlformats.org/officeDocument/2006/relationships" xmlns:p="http://schemas.openxmlformats.org/presentationml/2006/main">
+  <p:cSld>
+    <p:spTree>
+      <p:nvGrpSpPr>
+        <p:cNvPr id="1" name=""/>
+        <p:cNvGrpSpPr/>
+        <p:nvPr/>
+      </p:nvGrpSpPr>
+      <p:grpSpPr>
+        <a:xfrm>
+          <a:off x="0" y="0"/>
+          <a:ext cx="0" cy="0"/>
+          <a:chOff x="0" y="0"/>
+          <a:chExt cx="0" cy="0"/>
+        </a:xfrm>
+      </p:grpSpPr>
+      <p:sp>
+        <p:nvSpPr>
+          <p:cNvPr id="2" name="Cím 1"/>
+          <p:cNvSpPr>
+            <a:spLocks noGrp="1"/>
+          </p:cNvSpPr>
+          <p:nvPr>
+            <p:ph type="title"/>
+          </p:nvPr>
+        </p:nvSpPr>
+        <p:spPr>
+          <a:xfrm>
+            <a:off x="357158" y="0"/>
+            <a:ext cx="8229600" cy="1143000"/>
+          </a:xfrm>
+        </p:spPr>
+        <p:txBody>
+          <a:bodyPr/>
+          <a:lstStyle/>
+          <a:p>
+            <a:pPr algn="ctr"/>
+            <a:r>
+              <a:rPr lang="hu-HU" b="1" dirty="0" smtClean="0"/>
+              <a:t>Rendelések kezelése</a:t>
+            </a:r>
+            <a:endParaRPr lang="hu-HU" b="1" dirty="0"/>
+          </a:p>
+        </p:txBody>
+      </p:sp>
+      <p:pic>
+        <p:nvPicPr>
+          <p:cNvPr id="4" name="Kép 3" descr="rendelesek2.PNG"/>
+          <p:cNvPicPr>
+            <a:picLocks noChangeAspect="1"/>
+          </p:cNvPicPr>
+          <p:nvPr/>
+        </p:nvPicPr>
+        <p:blipFill>
+          <a:blip r:embed="rId3"/>
+          <a:stretch>
+            <a:fillRect/>
+          </a:stretch>
+        </p:blipFill>
+        <p:spPr>
+          <a:xfrm>
+            <a:off x="2285984" y="1285860"/>
+            <a:ext cx="4500594" cy="5246549"/>
+          </a:xfrm>
+          <a:prstGeom prst="rect">
+            <a:avLst/>
+          </a:prstGeom>
+        </p:spPr>
+      </p:pic>
+    </p:spTree>
+  </p:cSld>
+  <p:clrMapOvr>
+    <a:masterClrMapping/>
+  </p:clrMapOvr>
+  <p:timing>
+    <p:tnLst>
+      <p:par>
+        <p:cTn id="1" dur="indefinite" restart="never" nodeType="tmRoot"/>
+      </p:par>
+    </p:tnLst>
+  </p:timing>
+</p:sld>
+</file>
+
+<file path=ppt/slides/slide8.xml><?xml version="1.0" encoding="utf-8"?>
+<p:sld xmlns:a="http://schemas.openxmlformats.org/drawingml/2006/main" xmlns:r="http://schemas.openxmlformats.org/officeDocument/2006/relationships" xmlns:p="http://schemas.openxmlformats.org/presentationml/2006/main">
+  <p:cSld>
+    <p:spTree>
+      <p:nvGrpSpPr>
+        <p:cNvPr id="1" name=""/>
+        <p:cNvGrpSpPr/>
+        <p:nvPr/>
+      </p:nvGrpSpPr>
+      <p:grpSpPr>
+        <a:xfrm>
+          <a:off x="0" y="0"/>
+          <a:ext cx="0" cy="0"/>
+          <a:chOff x="0" y="0"/>
+          <a:chExt cx="0" cy="0"/>
+        </a:xfrm>
+      </p:grpSpPr>
+      <p:sp>
+        <p:nvSpPr>
+          <p:cNvPr id="2" name="Cím 1"/>
+          <p:cNvSpPr>
+            <a:spLocks noGrp="1"/>
+          </p:cNvSpPr>
+          <p:nvPr>
+            <p:ph type="title"/>
+          </p:nvPr>
+        </p:nvSpPr>
+        <p:spPr/>
+        <p:txBody>
+          <a:bodyPr/>
+          <a:lstStyle/>
+          <a:p>
+            <a:endParaRPr lang="hu-HU"/>
+          </a:p>
+        </p:txBody>
+      </p:sp>
+      <p:sp>
+        <p:nvSpPr>
+          <p:cNvPr id="3" name="Tartalom helye 2"/>
+          <p:cNvSpPr>
+            <a:spLocks noGrp="1"/>
+          </p:cNvSpPr>
+          <p:nvPr>
+            <p:ph idx="1"/>
+          </p:nvPr>
+        </p:nvSpPr>
+        <p:spPr/>
+        <p:txBody>
+          <a:bodyPr/>
+          <a:lstStyle/>
+          <a:p>
+            <a:endParaRPr lang="hu-HU"/>
+          </a:p>
+        </p:txBody>
+      </p:sp>
+    </p:spTree>
+  </p:cSld>
+  <p:clrMapOvr>
+    <a:masterClrMapping/>
+  </p:clrMapOvr>
+</p:sld>
+</file>
+
+<file path=ppt/slides/slide9.xml><?xml version="1.0" encoding="utf-8"?>
+<p:sld xmlns:a="http://schemas.openxmlformats.org/drawingml/2006/main" xmlns:r="http://schemas.openxmlformats.org/officeDocument/2006/relationships" xmlns:p="http://schemas.openxmlformats.org/presentationml/2006/main">
+  <p:cSld>
+    <p:spTree>
+      <p:nvGrpSpPr>
+        <p:cNvPr id="1" name=""/>
+        <p:cNvGrpSpPr/>
+        <p:nvPr/>
+      </p:nvGrpSpPr>
+      <p:grpSpPr>
+        <a:xfrm>
+          <a:off x="0" y="0"/>
+          <a:ext cx="0" cy="0"/>
+          <a:chOff x="0" y="0"/>
+          <a:chExt cx="0" cy="0"/>
+        </a:xfrm>
+      </p:grpSpPr>
+      <p:sp>
+        <p:nvSpPr>
+          <p:cNvPr id="2" name="Cím 1"/>
+          <p:cNvSpPr>
+            <a:spLocks noGrp="1"/>
+          </p:cNvSpPr>
+          <p:nvPr>
+            <p:ph type="title"/>
+          </p:nvPr>
+        </p:nvSpPr>
+        <p:spPr/>
+        <p:txBody>
+          <a:bodyPr/>
           <a:lstStyle/>
           <a:p>
             <a:r>
               <a:rPr lang="hu-HU" dirty="0" smtClean="0"/>
-              <a:t>Program tesztelés</a:t>
+              <a:t>Program megvalósítása</a:t>
             </a:r>
             <a:endParaRPr lang="hu-HU" dirty="0"/>
           </a:p>
@@ -4588,51 +5973,35 @@
         </p:nvSpPr>
         <p:spPr/>
         <p:txBody>
-          <a:bodyPr>
-            <a:normAutofit lnSpcReduction="10000"/>
-          </a:bodyPr>
+          <a:bodyPr/>
           <a:lstStyle/>
           <a:p>
             <a:r>
               <a:rPr lang="hu-HU" dirty="0" smtClean="0"/>
-              <a:t>Átugrás böngészőbe, ne az összes funkciót mutasd meg, csak ami egyedi, </a:t>
-            </a:r>
-          </a:p>
-          <a:p>
+              <a:t>Programozói megoldások, 1-2 kiemelése, programkód pl. php és </a:t>
+            </a:r>
             <a:r>
               <a:rPr lang="hu-HU" dirty="0" err="1" smtClean="0"/>
-              <a:t>Adminként</a:t>
-            </a:r>
+              <a:t>js</a:t>
+            </a:r>
+            <a:endParaRPr lang="hu-HU" dirty="0" smtClean="0"/>
+          </a:p>
+          <a:p>
             <a:r>
               <a:rPr lang="hu-HU" dirty="0" smtClean="0"/>
-              <a:t> is lépj be, mutasd a tesztet konkrét adatokkal(készülj fel adatokkal), de gyors legyen</a:t>
+              <a:t>Nehézséget, kihívást mi okozott, hogy oldottad meg</a:t>
             </a:r>
           </a:p>
           <a:p>
             <a:r>
               <a:rPr lang="hu-HU" dirty="0" smtClean="0"/>
-              <a:t>Folyamatot mutass be, pl. feltöltesz, megnézed, megrendeled</a:t>
-            </a:r>
-          </a:p>
-          <a:p>
-            <a:endParaRPr lang="hu-HU" dirty="0" smtClean="0"/>
+              <a:t>Szövegrészek kiemelése</a:t>
+            </a:r>
           </a:p>
           <a:p>
             <a:r>
               <a:rPr lang="hu-HU" dirty="0" smtClean="0"/>
-              <a:t>Prezentáció: 9-10 perc</a:t>
-            </a:r>
-          </a:p>
-          <a:p>
-            <a:r>
-              <a:rPr lang="hu-HU" dirty="0" smtClean="0"/>
-              <a:t>Program teszt: 2-3 perc</a:t>
-            </a:r>
-          </a:p>
-          <a:p>
-            <a:r>
-              <a:rPr lang="hu-HU" dirty="0" smtClean="0"/>
-              <a:t>Kérdést kapsz: 2-3 perc</a:t>
+              <a:t>1-2 dia</a:t>
             </a:r>
             <a:endParaRPr lang="hu-HU" dirty="0"/>
           </a:p>
@@ -4641,13 +6010,20 @@
     </p:spTree>
     <p:extLst>
       <p:ext uri="{BB962C8B-B14F-4D97-AF65-F5344CB8AC3E}">
-        <p14:creationId xmlns="" xmlns:p14="http://schemas.microsoft.com/office/powerpoint/2010/main" val="3687622588"/>
+        <p14:creationId xmlns:p14="http://schemas.microsoft.com/office/powerpoint/2010/main" xmlns="" val="3631297354"/>
       </p:ext>
     </p:extLst>
   </p:cSld>
   <p:clrMapOvr>
     <a:masterClrMapping/>
   </p:clrMapOvr>
+  <p:timing>
+    <p:tnLst>
+      <p:par>
+        <p:cTn id="1" dur="indefinite" restart="never" nodeType="tmRoot"/>
+      </p:par>
+    </p:tnLst>
+  </p:timing>
 </p:sld>
 </file>
 
@@ -4944,4 +6320,287 @@
   <a:objectDefaults/>
   <a:extraClrSchemeLst/>
 </a:theme>
+</file>
+
+<file path=ppt/theme/theme2.xml><?xml version="1.0" encoding="utf-8"?>
+<a:theme xmlns:a="http://schemas.openxmlformats.org/drawingml/2006/main" name="Office-téma">
+  <a:themeElements>
+    <a:clrScheme name="Office">
+      <a:dk1>
+        <a:sysClr val="windowText" lastClr="000000"/>
+      </a:dk1>
+      <a:lt1>
+        <a:sysClr val="window" lastClr="FFFFFF"/>
+      </a:lt1>
+      <a:dk2>
+        <a:srgbClr val="1F497D"/>
+      </a:dk2>
+      <a:lt2>
+        <a:srgbClr val="EEECE1"/>
+      </a:lt2>
+      <a:accent1>
+        <a:srgbClr val="4F81BD"/>
+      </a:accent1>
+      <a:accent2>
+        <a:srgbClr val="C0504D"/>
+      </a:accent2>
+      <a:accent3>
+        <a:srgbClr val="9BBB59"/>
+      </a:accent3>
+      <a:accent4>
+        <a:srgbClr val="8064A2"/>
+      </a:accent4>
+      <a:accent5>
+        <a:srgbClr val="4BACC6"/>
+      </a:accent5>
+      <a:accent6>
+        <a:srgbClr val="F79646"/>
+      </a:accent6>
+      <a:hlink>
+        <a:srgbClr val="0000FF"/>
+      </a:hlink>
+      <a:folHlink>
+        <a:srgbClr val="800080"/>
+      </a:folHlink>
+    </a:clrScheme>
+    <a:fontScheme name="Office">
+      <a:majorFont>
+        <a:latin typeface="Calibri"/>
+        <a:ea typeface=""/>
+        <a:cs typeface=""/>
+        <a:font script="Jpan" typeface="ＭＳ Ｐゴシック"/>
+        <a:font script="Hang" typeface="맑은 고딕"/>
+        <a:font script="Hans" typeface="宋体"/>
+        <a:font script="Hant" typeface="新細明體"/>
+        <a:font script="Arab" typeface="Times New Roman"/>
+        <a:font script="Hebr" typeface="Times New Roman"/>
+        <a:font script="Thai" typeface="Angsana New"/>
+        <a:font script="Ethi" typeface="Nyala"/>
+        <a:font script="Beng" typeface="Vrinda"/>
+        <a:font script="Gujr" typeface="Shruti"/>
+        <a:font script="Khmr" typeface="MoolBoran"/>
+        <a:font script="Knda" typeface="Tunga"/>
+        <a:font script="Guru" typeface="Raavi"/>
+        <a:font script="Cans" typeface="Euphemia"/>
+        <a:font script="Cher" typeface="Plantagenet Cherokee"/>
+        <a:font script="Yiii" typeface="Microsoft Yi Baiti"/>
+        <a:font script="Tibt" typeface="Microsoft Himalaya"/>
+        <a:font script="Thaa" typeface="MV Boli"/>
+        <a:font script="Deva" typeface="Mangal"/>
+        <a:font script="Telu" typeface="Gautami"/>
+        <a:font script="Taml" typeface="Latha"/>
+        <a:font script="Syrc" typeface="Estrangelo Edessa"/>
+        <a:font script="Orya" typeface="Kalinga"/>
+        <a:font script="Mlym" typeface="Kartika"/>
+        <a:font script="Laoo" typeface="DokChampa"/>
+        <a:font script="Sinh" typeface="Iskoola Pota"/>
+        <a:font script="Mong" typeface="Mongolian Baiti"/>
+        <a:font script="Viet" typeface="Times New Roman"/>
+        <a:font script="Uigh" typeface="Microsoft Uighur"/>
+      </a:majorFont>
+      <a:minorFont>
+        <a:latin typeface="Calibri"/>
+        <a:ea typeface=""/>
+        <a:cs typeface=""/>
+        <a:font script="Jpan" typeface="ＭＳ Ｐゴシック"/>
+        <a:font script="Hang" typeface="맑은 고딕"/>
+        <a:font script="Hans" typeface="宋体"/>
+        <a:font script="Hant" typeface="新細明體"/>
+        <a:font script="Arab" typeface="Arial"/>
+        <a:font script="Hebr" typeface="Arial"/>
+        <a:font script="Thai" typeface="Cordia New"/>
+        <a:font script="Ethi" typeface="Nyala"/>
+        <a:font script="Beng" typeface="Vrinda"/>
+        <a:font script="Gujr" typeface="Shruti"/>
+        <a:font script="Khmr" typeface="DaunPenh"/>
+        <a:font script="Knda" typeface="Tunga"/>
+        <a:font script="Guru" typeface="Raavi"/>
+        <a:font script="Cans" typeface="Euphemia"/>
+        <a:font script="Cher" typeface="Plantagenet Cherokee"/>
+        <a:font script="Yiii" typeface="Microsoft Yi Baiti"/>
+        <a:font script="Tibt" typeface="Microsoft Himalaya"/>
+        <a:font script="Thaa" typeface="MV Boli"/>
+        <a:font script="Deva" typeface="Mangal"/>
+        <a:font script="Telu" typeface="Gautami"/>
+        <a:font script="Taml" typeface="Latha"/>
+        <a:font script="Syrc" typeface="Estrangelo Edessa"/>
+        <a:font script="Orya" typeface="Kalinga"/>
+        <a:font script="Mlym" typeface="Kartika"/>
+        <a:font script="Laoo" typeface="DokChampa"/>
+        <a:font script="Sinh" typeface="Iskoola Pota"/>
+        <a:font script="Mong" typeface="Mongolian Baiti"/>
+        <a:font script="Viet" typeface="Arial"/>
+        <a:font script="Uigh" typeface="Microsoft Uighur"/>
+      </a:minorFont>
+    </a:fontScheme>
+    <a:fmtScheme name="Office">
+      <a:fillStyleLst>
+        <a:solidFill>
+          <a:schemeClr val="phClr"/>
+        </a:solidFill>
+        <a:gradFill rotWithShape="1">
+          <a:gsLst>
+            <a:gs pos="0">
+              <a:schemeClr val="phClr">
+                <a:tint val="50000"/>
+                <a:satMod val="300000"/>
+              </a:schemeClr>
+            </a:gs>
+            <a:gs pos="35000">
+              <a:schemeClr val="phClr">
+                <a:tint val="37000"/>
+                <a:satMod val="300000"/>
+              </a:schemeClr>
+            </a:gs>
+            <a:gs pos="100000">
+              <a:schemeClr val="phClr">
+                <a:tint val="15000"/>
+                <a:satMod val="350000"/>
+              </a:schemeClr>
+            </a:gs>
+          </a:gsLst>
+          <a:lin ang="16200000" scaled="1"/>
+        </a:gradFill>
+        <a:gradFill rotWithShape="1">
+          <a:gsLst>
+            <a:gs pos="0">
+              <a:schemeClr val="phClr">
+                <a:shade val="51000"/>
+                <a:satMod val="130000"/>
+              </a:schemeClr>
+            </a:gs>
+            <a:gs pos="80000">
+              <a:schemeClr val="phClr">
+                <a:shade val="93000"/>
+                <a:satMod val="130000"/>
+              </a:schemeClr>
+            </a:gs>
+            <a:gs pos="100000">
+              <a:schemeClr val="phClr">
+                <a:shade val="94000"/>
+                <a:satMod val="135000"/>
+              </a:schemeClr>
+            </a:gs>
+          </a:gsLst>
+          <a:lin ang="16200000" scaled="0"/>
+        </a:gradFill>
+      </a:fillStyleLst>
+      <a:lnStyleLst>
+        <a:ln w="9525" cap="flat" cmpd="sng" algn="ctr">
+          <a:solidFill>
+            <a:schemeClr val="phClr">
+              <a:shade val="95000"/>
+              <a:satMod val="105000"/>
+            </a:schemeClr>
+          </a:solidFill>
+          <a:prstDash val="solid"/>
+        </a:ln>
+        <a:ln w="25400" cap="flat" cmpd="sng" algn="ctr">
+          <a:solidFill>
+            <a:schemeClr val="phClr"/>
+          </a:solidFill>
+          <a:prstDash val="solid"/>
+        </a:ln>
+        <a:ln w="38100" cap="flat" cmpd="sng" algn="ctr">
+          <a:solidFill>
+            <a:schemeClr val="phClr"/>
+          </a:solidFill>
+          <a:prstDash val="solid"/>
+        </a:ln>
+      </a:lnStyleLst>
+      <a:effectStyleLst>
+        <a:effectStyle>
+          <a:effectLst>
+            <a:outerShdw blurRad="40000" dist="20000" dir="5400000" rotWithShape="0">
+              <a:srgbClr val="000000">
+                <a:alpha val="38000"/>
+              </a:srgbClr>
+            </a:outerShdw>
+          </a:effectLst>
+        </a:effectStyle>
+        <a:effectStyle>
+          <a:effectLst>
+            <a:outerShdw blurRad="40000" dist="23000" dir="5400000" rotWithShape="0">
+              <a:srgbClr val="000000">
+                <a:alpha val="35000"/>
+              </a:srgbClr>
+            </a:outerShdw>
+          </a:effectLst>
+        </a:effectStyle>
+        <a:effectStyle>
+          <a:effectLst>
+            <a:outerShdw blurRad="40000" dist="23000" dir="5400000" rotWithShape="0">
+              <a:srgbClr val="000000">
+                <a:alpha val="35000"/>
+              </a:srgbClr>
+            </a:outerShdw>
+          </a:effectLst>
+          <a:scene3d>
+            <a:camera prst="orthographicFront">
+              <a:rot lat="0" lon="0" rev="0"/>
+            </a:camera>
+            <a:lightRig rig="threePt" dir="t">
+              <a:rot lat="0" lon="0" rev="1200000"/>
+            </a:lightRig>
+          </a:scene3d>
+          <a:sp3d>
+            <a:bevelT w="63500" h="25400"/>
+          </a:sp3d>
+        </a:effectStyle>
+      </a:effectStyleLst>
+      <a:bgFillStyleLst>
+        <a:solidFill>
+          <a:schemeClr val="phClr"/>
+        </a:solidFill>
+        <a:gradFill rotWithShape="1">
+          <a:gsLst>
+            <a:gs pos="0">
+              <a:schemeClr val="phClr">
+                <a:tint val="40000"/>
+                <a:satMod val="350000"/>
+              </a:schemeClr>
+            </a:gs>
+            <a:gs pos="40000">
+              <a:schemeClr val="phClr">
+                <a:tint val="45000"/>
+                <a:shade val="99000"/>
+                <a:satMod val="350000"/>
+              </a:schemeClr>
+            </a:gs>
+            <a:gs pos="100000">
+              <a:schemeClr val="phClr">
+                <a:shade val="20000"/>
+                <a:satMod val="255000"/>
+              </a:schemeClr>
+            </a:gs>
+          </a:gsLst>
+          <a:path path="circle">
+            <a:fillToRect l="50000" t="-80000" r="50000" b="180000"/>
+          </a:path>
+        </a:gradFill>
+        <a:gradFill rotWithShape="1">
+          <a:gsLst>
+            <a:gs pos="0">
+              <a:schemeClr val="phClr">
+                <a:tint val="80000"/>
+                <a:satMod val="300000"/>
+              </a:schemeClr>
+            </a:gs>
+            <a:gs pos="100000">
+              <a:schemeClr val="phClr">
+                <a:shade val="30000"/>
+                <a:satMod val="200000"/>
+              </a:schemeClr>
+            </a:gs>
+          </a:gsLst>
+          <a:path path="circle">
+            <a:fillToRect l="50000" t="50000" r="50000" b="50000"/>
+          </a:path>
+        </a:gradFill>
+      </a:bgFillStyleLst>
+    </a:fmtScheme>
+  </a:themeElements>
+  <a:objectDefaults/>
+  <a:extraClrSchemeLst/>
+</a:theme>
 </file>
--- a/Varbirone_vedes_minta.pptx
+++ b/Varbirone_vedes_minta.pptx
@@ -5,19 +5,22 @@
     <p:sldMasterId id="2147483660" r:id="rId1"/>
   </p:sldMasterIdLst>
   <p:notesMasterIdLst>
-    <p:notesMasterId r:id="rId12"/>
+    <p:notesMasterId r:id="rId15"/>
   </p:notesMasterIdLst>
   <p:sldIdLst>
     <p:sldId id="256" r:id="rId2"/>
     <p:sldId id="257" r:id="rId3"/>
-    <p:sldId id="258" r:id="rId4"/>
-    <p:sldId id="263" r:id="rId5"/>
-    <p:sldId id="264" r:id="rId6"/>
-    <p:sldId id="266" r:id="rId7"/>
-    <p:sldId id="265" r:id="rId8"/>
-    <p:sldId id="267" r:id="rId9"/>
-    <p:sldId id="261" r:id="rId10"/>
-    <p:sldId id="262" r:id="rId11"/>
+    <p:sldId id="268" r:id="rId4"/>
+    <p:sldId id="269" r:id="rId5"/>
+    <p:sldId id="258" r:id="rId6"/>
+    <p:sldId id="270" r:id="rId7"/>
+    <p:sldId id="263" r:id="rId8"/>
+    <p:sldId id="264" r:id="rId9"/>
+    <p:sldId id="266" r:id="rId10"/>
+    <p:sldId id="265" r:id="rId11"/>
+    <p:sldId id="267" r:id="rId12"/>
+    <p:sldId id="271" r:id="rId13"/>
+    <p:sldId id="262" r:id="rId14"/>
   </p:sldIdLst>
   <p:sldSz cx="9144000" cy="6858000" type="screen4x3"/>
   <p:notesSz cx="6858000" cy="9144000"/>
@@ -118,7 +121,7 @@
   </p:defaultTextStyle>
   <p:extLst>
     <p:ext uri="{EFAFB233-063F-42B5-8137-9DF3F51BA10A}">
-      <p15:sldGuideLst xmlns:p15="http://schemas.microsoft.com/office/powerpoint/2012/main" xmlns="">
+      <p15:sldGuideLst xmlns="" xmlns:p15="http://schemas.microsoft.com/office/powerpoint/2012/main">
         <p15:guide id="1" orient="horz" pos="2160">
           <p15:clr>
             <a:srgbClr val="A4A3A4"/>
@@ -217,7 +220,8 @@
           <a:p>
             <a:fld id="{241F3480-6FDE-4D21-946B-A203B80D6D5E}" type="datetimeFigureOut">
               <a:rPr lang="hu-HU" smtClean="0"/>
-              <a:t>2022. 04. 20.</a:t>
+              <a:pPr/>
+              <a:t>2022. 04. 25.</a:t>
             </a:fld>
             <a:endParaRPr lang="hu-HU"/>
           </a:p>
@@ -378,6 +382,7 @@
           <a:p>
             <a:fld id="{400986A5-8407-4FFF-9559-5B7863F3D8EF}" type="slidenum">
               <a:rPr lang="hu-HU" smtClean="0"/>
+              <a:pPr/>
               <a:t>‹#›</a:t>
             </a:fld>
             <a:endParaRPr lang="hu-HU"/>
@@ -549,6 +554,7 @@
           <a:p>
             <a:fld id="{400986A5-8407-4FFF-9559-5B7863F3D8EF}" type="slidenum">
               <a:rPr lang="hu-HU" smtClean="0"/>
+              <a:pPr/>
               <a:t>1</a:t>
             </a:fld>
             <a:endParaRPr lang="hu-HU"/>
@@ -630,6 +636,7 @@
           <a:p>
             <a:fld id="{400986A5-8407-4FFF-9559-5B7863F3D8EF}" type="slidenum">
               <a:rPr lang="hu-HU" smtClean="0"/>
+              <a:pPr/>
               <a:t>2</a:t>
             </a:fld>
             <a:endParaRPr lang="hu-HU"/>
@@ -711,7 +718,8 @@
           <a:p>
             <a:fld id="{400986A5-8407-4FFF-9559-5B7863F3D8EF}" type="slidenum">
               <a:rPr lang="hu-HU" smtClean="0"/>
-              <a:t>3</a:t>
+              <a:pPr/>
+              <a:t>5</a:t>
             </a:fld>
             <a:endParaRPr lang="hu-HU"/>
           </a:p>
@@ -792,7 +800,8 @@
           <a:p>
             <a:fld id="{400986A5-8407-4FFF-9559-5B7863F3D8EF}" type="slidenum">
               <a:rPr lang="hu-HU" smtClean="0"/>
-              <a:t>4</a:t>
+              <a:pPr/>
+              <a:t>7</a:t>
             </a:fld>
             <a:endParaRPr lang="hu-HU"/>
           </a:p>
@@ -873,7 +882,8 @@
           <a:p>
             <a:fld id="{400986A5-8407-4FFF-9559-5B7863F3D8EF}" type="slidenum">
               <a:rPr lang="hu-HU" smtClean="0"/>
-              <a:t>5</a:t>
+              <a:pPr/>
+              <a:t>8</a:t>
             </a:fld>
             <a:endParaRPr lang="hu-HU"/>
           </a:p>
@@ -954,7 +964,8 @@
           <a:p>
             <a:fld id="{400986A5-8407-4FFF-9559-5B7863F3D8EF}" type="slidenum">
               <a:rPr lang="hu-HU" smtClean="0"/>
-              <a:t>6</a:t>
+              <a:pPr/>
+              <a:t>9</a:t>
             </a:fld>
             <a:endParaRPr lang="hu-HU"/>
           </a:p>
@@ -1035,7 +1046,8 @@
           <a:p>
             <a:fld id="{400986A5-8407-4FFF-9559-5B7863F3D8EF}" type="slidenum">
               <a:rPr lang="hu-HU" smtClean="0"/>
-              <a:t>7</a:t>
+              <a:pPr/>
+              <a:t>10</a:t>
             </a:fld>
             <a:endParaRPr lang="hu-HU"/>
           </a:p>
@@ -1116,88 +1128,8 @@
           <a:p>
             <a:fld id="{400986A5-8407-4FFF-9559-5B7863F3D8EF}" type="slidenum">
               <a:rPr lang="hu-HU" smtClean="0"/>
-              <a:t>9</a:t>
-            </a:fld>
-            <a:endParaRPr lang="hu-HU"/>
-          </a:p>
-        </p:txBody>
-      </p:sp>
-    </p:spTree>
-  </p:cSld>
-  <p:clrMapOvr>
-    <a:masterClrMapping/>
-  </p:clrMapOvr>
-</p:notes>
-</file>
-
-<file path=ppt/notesSlides/notesSlide9.xml><?xml version="1.0" encoding="utf-8"?>
-<p:notes xmlns:a="http://schemas.openxmlformats.org/drawingml/2006/main" xmlns:r="http://schemas.openxmlformats.org/officeDocument/2006/relationships" xmlns:p="http://schemas.openxmlformats.org/presentationml/2006/main">
-  <p:cSld>
-    <p:spTree>
-      <p:nvGrpSpPr>
-        <p:cNvPr id="1" name=""/>
-        <p:cNvGrpSpPr/>
-        <p:nvPr/>
-      </p:nvGrpSpPr>
-      <p:grpSpPr>
-        <a:xfrm>
-          <a:off x="0" y="0"/>
-          <a:ext cx="0" cy="0"/>
-          <a:chOff x="0" y="0"/>
-          <a:chExt cx="0" cy="0"/>
-        </a:xfrm>
-      </p:grpSpPr>
-      <p:sp>
-        <p:nvSpPr>
-          <p:cNvPr id="2" name="Diakép helye 1"/>
-          <p:cNvSpPr>
-            <a:spLocks noGrp="1" noRot="1" noChangeAspect="1"/>
-          </p:cNvSpPr>
-          <p:nvPr>
-            <p:ph type="sldImg"/>
-          </p:nvPr>
-        </p:nvSpPr>
-        <p:spPr/>
-      </p:sp>
-      <p:sp>
-        <p:nvSpPr>
-          <p:cNvPr id="3" name="Jegyzetek helye 2"/>
-          <p:cNvSpPr>
-            <a:spLocks noGrp="1"/>
-          </p:cNvSpPr>
-          <p:nvPr>
-            <p:ph type="body" idx="1"/>
-          </p:nvPr>
-        </p:nvSpPr>
-        <p:spPr/>
-        <p:txBody>
-          <a:bodyPr>
-            <a:normAutofit/>
-          </a:bodyPr>
-          <a:lstStyle/>
-          <a:p>
-            <a:endParaRPr lang="hu-HU"/>
-          </a:p>
-        </p:txBody>
-      </p:sp>
-      <p:sp>
-        <p:nvSpPr>
-          <p:cNvPr id="4" name="Dia számának helye 3"/>
-          <p:cNvSpPr>
-            <a:spLocks noGrp="1"/>
-          </p:cNvSpPr>
-          <p:nvPr>
-            <p:ph type="sldNum" sz="quarter" idx="10"/>
-          </p:nvPr>
-        </p:nvSpPr>
-        <p:spPr/>
-        <p:txBody>
-          <a:bodyPr/>
-          <a:lstStyle/>
-          <a:p>
-            <a:fld id="{400986A5-8407-4FFF-9559-5B7863F3D8EF}" type="slidenum">
-              <a:rPr lang="hu-HU" smtClean="0"/>
-              <a:t>10</a:t>
+              <a:pPr/>
+              <a:t>13</a:t>
             </a:fld>
             <a:endParaRPr lang="hu-HU"/>
           </a:p>
@@ -1380,7 +1312,7 @@
             <a:fld id="{98AD18EB-34C1-4E87-9231-877E18121FAC}" type="datetimeFigureOut">
               <a:rPr lang="hu-HU" smtClean="0"/>
               <a:pPr/>
-              <a:t>2022. 04. 20.</a:t>
+              <a:t>2022. 04. 25.</a:t>
             </a:fld>
             <a:endParaRPr lang="hu-HU"/>
           </a:p>
@@ -1547,7 +1479,7 @@
             <a:fld id="{98AD18EB-34C1-4E87-9231-877E18121FAC}" type="datetimeFigureOut">
               <a:rPr lang="hu-HU" smtClean="0"/>
               <a:pPr/>
-              <a:t>2022. 04. 20.</a:t>
+              <a:t>2022. 04. 25.</a:t>
             </a:fld>
             <a:endParaRPr lang="hu-HU"/>
           </a:p>
@@ -1724,7 +1656,7 @@
             <a:fld id="{98AD18EB-34C1-4E87-9231-877E18121FAC}" type="datetimeFigureOut">
               <a:rPr lang="hu-HU" smtClean="0"/>
               <a:pPr/>
-              <a:t>2022. 04. 20.</a:t>
+              <a:t>2022. 04. 25.</a:t>
             </a:fld>
             <a:endParaRPr lang="hu-HU"/>
           </a:p>
@@ -1891,7 +1823,7 @@
             <a:fld id="{98AD18EB-34C1-4E87-9231-877E18121FAC}" type="datetimeFigureOut">
               <a:rPr lang="hu-HU" smtClean="0"/>
               <a:pPr/>
-              <a:t>2022. 04. 20.</a:t>
+              <a:t>2022. 04. 25.</a:t>
             </a:fld>
             <a:endParaRPr lang="hu-HU"/>
           </a:p>
@@ -2130,7 +2062,7 @@
             <a:fld id="{98AD18EB-34C1-4E87-9231-877E18121FAC}" type="datetimeFigureOut">
               <a:rPr lang="hu-HU" smtClean="0"/>
               <a:pPr/>
-              <a:t>2022. 04. 20.</a:t>
+              <a:t>2022. 04. 25.</a:t>
             </a:fld>
             <a:endParaRPr lang="hu-HU"/>
           </a:p>
@@ -2396,7 +2328,7 @@
             <a:fld id="{98AD18EB-34C1-4E87-9231-877E18121FAC}" type="datetimeFigureOut">
               <a:rPr lang="hu-HU" smtClean="0"/>
               <a:pPr/>
-              <a:t>2022. 04. 20.</a:t>
+              <a:t>2022. 04. 25.</a:t>
             </a:fld>
             <a:endParaRPr lang="hu-HU"/>
           </a:p>
@@ -2776,7 +2708,7 @@
             <a:fld id="{98AD18EB-34C1-4E87-9231-877E18121FAC}" type="datetimeFigureOut">
               <a:rPr lang="hu-HU" smtClean="0"/>
               <a:pPr/>
-              <a:t>2022. 04. 20.</a:t>
+              <a:t>2022. 04. 25.</a:t>
             </a:fld>
             <a:endParaRPr lang="hu-HU"/>
           </a:p>
@@ -2928,7 +2860,7 @@
             <a:fld id="{98AD18EB-34C1-4E87-9231-877E18121FAC}" type="datetimeFigureOut">
               <a:rPr lang="hu-HU" smtClean="0"/>
               <a:pPr/>
-              <a:t>2022. 04. 20.</a:t>
+              <a:t>2022. 04. 25.</a:t>
             </a:fld>
             <a:endParaRPr lang="hu-HU"/>
           </a:p>
@@ -3020,7 +2952,7 @@
             <a:fld id="{98AD18EB-34C1-4E87-9231-877E18121FAC}" type="datetimeFigureOut">
               <a:rPr lang="hu-HU" smtClean="0"/>
               <a:pPr/>
-              <a:t>2022. 04. 20.</a:t>
+              <a:t>2022. 04. 25.</a:t>
             </a:fld>
             <a:endParaRPr lang="hu-HU"/>
           </a:p>
@@ -3283,7 +3215,7 @@
             <a:fld id="{98AD18EB-34C1-4E87-9231-877E18121FAC}" type="datetimeFigureOut">
               <a:rPr lang="hu-HU" smtClean="0"/>
               <a:pPr/>
-              <a:t>2022. 04. 20.</a:t>
+              <a:t>2022. 04. 25.</a:t>
             </a:fld>
             <a:endParaRPr lang="hu-HU"/>
           </a:p>
@@ -3573,7 +3505,7 @@
             <a:fld id="{98AD18EB-34C1-4E87-9231-877E18121FAC}" type="datetimeFigureOut">
               <a:rPr lang="hu-HU" smtClean="0"/>
               <a:pPr/>
-              <a:t>2022. 04. 20.</a:t>
+              <a:t>2022. 04. 25.</a:t>
             </a:fld>
             <a:endParaRPr lang="hu-HU"/>
           </a:p>
@@ -4362,7 +4294,7 @@
             <a:fld id="{98AD18EB-34C1-4E87-9231-877E18121FAC}" type="datetimeFigureOut">
               <a:rPr lang="hu-HU" smtClean="0"/>
               <a:pPr/>
-              <a:t>2022. 04. 20.</a:t>
+              <a:t>2022. 04. 25.</a:t>
             </a:fld>
             <a:endParaRPr lang="hu-HU"/>
           </a:p>
@@ -5059,7 +4991,7 @@
     </p:spTree>
     <p:extLst>
       <p:ext uri="{BB962C8B-B14F-4D97-AF65-F5344CB8AC3E}">
-        <p14:creationId xmlns:p14="http://schemas.microsoft.com/office/powerpoint/2010/main" xmlns="" val="2645818704"/>
+        <p14:creationId xmlns="" xmlns:p14="http://schemas.microsoft.com/office/powerpoint/2010/main" val="2645818704"/>
       </p:ext>
     </p:extLst>
   </p:cSld>
@@ -5077,6 +5009,203 @@
 </file>
 
 <file path=ppt/slides/slide10.xml><?xml version="1.0" encoding="utf-8"?>
+<p:sld xmlns:a="http://schemas.openxmlformats.org/drawingml/2006/main" xmlns:r="http://schemas.openxmlformats.org/officeDocument/2006/relationships" xmlns:p="http://schemas.openxmlformats.org/presentationml/2006/main">
+  <p:cSld>
+    <p:spTree>
+      <p:nvGrpSpPr>
+        <p:cNvPr id="1" name=""/>
+        <p:cNvGrpSpPr/>
+        <p:nvPr/>
+      </p:nvGrpSpPr>
+      <p:grpSpPr>
+        <a:xfrm>
+          <a:off x="0" y="0"/>
+          <a:ext cx="0" cy="0"/>
+          <a:chOff x="0" y="0"/>
+          <a:chExt cx="0" cy="0"/>
+        </a:xfrm>
+      </p:grpSpPr>
+      <p:sp>
+        <p:nvSpPr>
+          <p:cNvPr id="2" name="Cím 1"/>
+          <p:cNvSpPr>
+            <a:spLocks noGrp="1"/>
+          </p:cNvSpPr>
+          <p:nvPr>
+            <p:ph type="title"/>
+          </p:nvPr>
+        </p:nvSpPr>
+        <p:spPr>
+          <a:xfrm>
+            <a:off x="357158" y="0"/>
+            <a:ext cx="8229600" cy="1143000"/>
+          </a:xfrm>
+        </p:spPr>
+        <p:txBody>
+          <a:bodyPr/>
+          <a:lstStyle/>
+          <a:p>
+            <a:pPr algn="ctr"/>
+            <a:r>
+              <a:rPr lang="hu-HU" b="1" dirty="0" smtClean="0"/>
+              <a:t>Rendelések kezelése</a:t>
+            </a:r>
+            <a:endParaRPr lang="hu-HU" b="1" dirty="0"/>
+          </a:p>
+        </p:txBody>
+      </p:sp>
+      <p:pic>
+        <p:nvPicPr>
+          <p:cNvPr id="4" name="Kép 3" descr="rendelesek2.PNG"/>
+          <p:cNvPicPr>
+            <a:picLocks noChangeAspect="1"/>
+          </p:cNvPicPr>
+          <p:nvPr/>
+        </p:nvPicPr>
+        <p:blipFill>
+          <a:blip r:embed="rId3"/>
+          <a:stretch>
+            <a:fillRect/>
+          </a:stretch>
+        </p:blipFill>
+        <p:spPr>
+          <a:xfrm>
+            <a:off x="2285984" y="1285860"/>
+            <a:ext cx="4500594" cy="5246549"/>
+          </a:xfrm>
+          <a:prstGeom prst="rect">
+            <a:avLst/>
+          </a:prstGeom>
+        </p:spPr>
+      </p:pic>
+    </p:spTree>
+  </p:cSld>
+  <p:clrMapOvr>
+    <a:masterClrMapping/>
+  </p:clrMapOvr>
+  <p:timing>
+    <p:tnLst>
+      <p:par>
+        <p:cTn id="1" dur="indefinite" restart="never" nodeType="tmRoot"/>
+      </p:par>
+    </p:tnLst>
+  </p:timing>
+</p:sld>
+</file>
+
+<file path=ppt/slides/slide11.xml><?xml version="1.0" encoding="utf-8"?>
+<p:sld xmlns:a="http://schemas.openxmlformats.org/drawingml/2006/main" xmlns:r="http://schemas.openxmlformats.org/officeDocument/2006/relationships" xmlns:p="http://schemas.openxmlformats.org/presentationml/2006/main">
+  <p:cSld>
+    <p:spTree>
+      <p:nvGrpSpPr>
+        <p:cNvPr id="1" name=""/>
+        <p:cNvGrpSpPr/>
+        <p:nvPr/>
+      </p:nvGrpSpPr>
+      <p:grpSpPr>
+        <a:xfrm>
+          <a:off x="0" y="0"/>
+          <a:ext cx="0" cy="0"/>
+          <a:chOff x="0" y="0"/>
+          <a:chExt cx="0" cy="0"/>
+        </a:xfrm>
+      </p:grpSpPr>
+      <p:pic>
+        <p:nvPicPr>
+          <p:cNvPr id="4" name="Kép 3" descr="bemutatnehezseg.PNG"/>
+          <p:cNvPicPr>
+            <a:picLocks noChangeAspect="1"/>
+          </p:cNvPicPr>
+          <p:nvPr/>
+        </p:nvPicPr>
+        <p:blipFill>
+          <a:blip r:embed="rId2"/>
+          <a:stretch>
+            <a:fillRect/>
+          </a:stretch>
+        </p:blipFill>
+        <p:spPr>
+          <a:xfrm>
+            <a:off x="214282" y="1142984"/>
+            <a:ext cx="8731069" cy="4929222"/>
+          </a:xfrm>
+          <a:prstGeom prst="rect">
+            <a:avLst/>
+          </a:prstGeom>
+        </p:spPr>
+      </p:pic>
+    </p:spTree>
+  </p:cSld>
+  <p:clrMapOvr>
+    <a:masterClrMapping/>
+  </p:clrMapOvr>
+  <p:timing>
+    <p:tnLst>
+      <p:par>
+        <p:cTn id="1" dur="indefinite" restart="never" nodeType="tmRoot"/>
+      </p:par>
+    </p:tnLst>
+  </p:timing>
+</p:sld>
+</file>
+
+<file path=ppt/slides/slide12.xml><?xml version="1.0" encoding="utf-8"?>
+<p:sld xmlns:a="http://schemas.openxmlformats.org/drawingml/2006/main" xmlns:r="http://schemas.openxmlformats.org/officeDocument/2006/relationships" xmlns:p="http://schemas.openxmlformats.org/presentationml/2006/main">
+  <p:cSld>
+    <p:spTree>
+      <p:nvGrpSpPr>
+        <p:cNvPr id="1" name=""/>
+        <p:cNvGrpSpPr/>
+        <p:nvPr/>
+      </p:nvGrpSpPr>
+      <p:grpSpPr>
+        <a:xfrm>
+          <a:off x="0" y="0"/>
+          <a:ext cx="0" cy="0"/>
+          <a:chOff x="0" y="0"/>
+          <a:chExt cx="0" cy="0"/>
+        </a:xfrm>
+      </p:grpSpPr>
+      <p:pic>
+        <p:nvPicPr>
+          <p:cNvPr id="4" name="Kép 3" descr="funkcioresz.PNG"/>
+          <p:cNvPicPr>
+            <a:picLocks noChangeAspect="1"/>
+          </p:cNvPicPr>
+          <p:nvPr/>
+        </p:nvPicPr>
+        <p:blipFill>
+          <a:blip r:embed="rId2"/>
+          <a:stretch>
+            <a:fillRect/>
+          </a:stretch>
+        </p:blipFill>
+        <p:spPr>
+          <a:xfrm>
+            <a:off x="1357290" y="500042"/>
+            <a:ext cx="6248780" cy="5684980"/>
+          </a:xfrm>
+          <a:prstGeom prst="rect">
+            <a:avLst/>
+          </a:prstGeom>
+        </p:spPr>
+      </p:pic>
+    </p:spTree>
+  </p:cSld>
+  <p:clrMapOvr>
+    <a:masterClrMapping/>
+  </p:clrMapOvr>
+  <p:timing>
+    <p:tnLst>
+      <p:par>
+        <p:cTn id="1" dur="indefinite" restart="never" nodeType="tmRoot"/>
+      </p:par>
+    </p:tnLst>
+  </p:timing>
+</p:sld>
+</file>
+
+<file path=ppt/slides/slide13.xml><?xml version="1.0" encoding="utf-8"?>
 <p:sld xmlns:a="http://schemas.openxmlformats.org/drawingml/2006/main" xmlns:r="http://schemas.openxmlformats.org/officeDocument/2006/relationships" xmlns:p="http://schemas.openxmlformats.org/presentationml/2006/main" show="0">
   <p:cSld>
     <p:spTree>
@@ -5183,7 +5312,7 @@
     </p:spTree>
     <p:extLst>
       <p:ext uri="{BB962C8B-B14F-4D97-AF65-F5344CB8AC3E}">
-        <p14:creationId xmlns:p14="http://schemas.microsoft.com/office/powerpoint/2010/main" xmlns="" val="3687622588"/>
+        <p14:creationId xmlns="" xmlns:p14="http://schemas.microsoft.com/office/powerpoint/2010/main" val="3687622588"/>
       </p:ext>
     </p:extLst>
   </p:cSld>
@@ -5228,11 +5357,17 @@
             <p:ph type="title"/>
           </p:nvPr>
         </p:nvSpPr>
-        <p:spPr/>
+        <p:spPr>
+          <a:xfrm>
+            <a:off x="428596" y="357166"/>
+            <a:ext cx="8229600" cy="1143000"/>
+          </a:xfrm>
+        </p:spPr>
         <p:txBody>
           <a:bodyPr/>
           <a:lstStyle/>
           <a:p>
+            <a:pPr algn="ctr"/>
             <a:r>
               <a:rPr lang="hu-HU" b="1" dirty="0" smtClean="0"/>
               <a:t>Témaválasztás</a:t>
@@ -5397,13 +5532,7 @@
               <a:rPr lang="hu-HU" sz="1600" dirty="0" smtClean="0">
                 <a:hlinkClick r:id="rId6"/>
               </a:rPr>
-              <a:t>https://</a:t>
-            </a:r>
-            <a:r>
-              <a:rPr lang="hu-HU" sz="1600" dirty="0" smtClean="0">
-                <a:hlinkClick r:id="rId6"/>
-              </a:rPr>
-              <a:t>github.com/ProFreshCash/webanyagokbackend.git</a:t>
+              <a:t>https://github.com/ProFreshCash/webanyagokbackend.git</a:t>
             </a:r>
             <a:endParaRPr lang="hu-HU" sz="1600" dirty="0" smtClean="0"/>
           </a:p>
@@ -5418,7 +5547,7 @@
     </p:spTree>
     <p:extLst>
       <p:ext uri="{BB962C8B-B14F-4D97-AF65-F5344CB8AC3E}">
-        <p14:creationId xmlns:p14="http://schemas.microsoft.com/office/powerpoint/2010/main" xmlns="" val="598232889"/>
+        <p14:creationId xmlns="" xmlns:p14="http://schemas.microsoft.com/office/powerpoint/2010/main" val="598232889"/>
       </p:ext>
     </p:extLst>
   </p:cSld>
@@ -5462,11 +5591,186 @@
             <p:ph type="title"/>
           </p:nvPr>
         </p:nvSpPr>
+        <p:spPr>
+          <a:xfrm>
+            <a:off x="500034" y="0"/>
+            <a:ext cx="8229600" cy="1143000"/>
+          </a:xfrm>
+        </p:spPr>
+        <p:txBody>
+          <a:bodyPr/>
+          <a:lstStyle/>
+          <a:p>
+            <a:pPr algn="ctr"/>
+            <a:r>
+              <a:rPr lang="hu-HU" b="1" dirty="0" err="1" smtClean="0"/>
+              <a:t>Admin</a:t>
+            </a:r>
+            <a:r>
+              <a:rPr lang="hu-HU" b="1" dirty="0" smtClean="0"/>
+              <a:t> menü</a:t>
+            </a:r>
+            <a:endParaRPr lang="hu-HU" b="1" dirty="0"/>
+          </a:p>
+        </p:txBody>
+      </p:sp>
+      <p:pic>
+        <p:nvPicPr>
+          <p:cNvPr id="4" name="Kép 3" descr="adminmenu.PNG"/>
+          <p:cNvPicPr>
+            <a:picLocks noChangeAspect="1"/>
+          </p:cNvPicPr>
+          <p:nvPr/>
+        </p:nvPicPr>
+        <p:blipFill>
+          <a:blip r:embed="rId2"/>
+          <a:stretch>
+            <a:fillRect/>
+          </a:stretch>
+        </p:blipFill>
+        <p:spPr>
+          <a:xfrm>
+            <a:off x="500034" y="1214422"/>
+            <a:ext cx="8215370" cy="5391613"/>
+          </a:xfrm>
+          <a:prstGeom prst="rect">
+            <a:avLst/>
+          </a:prstGeom>
+        </p:spPr>
+      </p:pic>
+    </p:spTree>
+  </p:cSld>
+  <p:clrMapOvr>
+    <a:masterClrMapping/>
+  </p:clrMapOvr>
+  <p:timing>
+    <p:tnLst>
+      <p:par>
+        <p:cTn id="1" dur="indefinite" restart="never" nodeType="tmRoot"/>
+      </p:par>
+    </p:tnLst>
+  </p:timing>
+</p:sld>
+</file>
+
+<file path=ppt/slides/slide4.xml><?xml version="1.0" encoding="utf-8"?>
+<p:sld xmlns:a="http://schemas.openxmlformats.org/drawingml/2006/main" xmlns:r="http://schemas.openxmlformats.org/officeDocument/2006/relationships" xmlns:p="http://schemas.openxmlformats.org/presentationml/2006/main">
+  <p:cSld>
+    <p:spTree>
+      <p:nvGrpSpPr>
+        <p:cNvPr id="1" name=""/>
+        <p:cNvGrpSpPr/>
+        <p:nvPr/>
+      </p:nvGrpSpPr>
+      <p:grpSpPr>
+        <a:xfrm>
+          <a:off x="0" y="0"/>
+          <a:ext cx="0" cy="0"/>
+          <a:chOff x="0" y="0"/>
+          <a:chExt cx="0" cy="0"/>
+        </a:xfrm>
+      </p:grpSpPr>
+      <p:sp>
+        <p:nvSpPr>
+          <p:cNvPr id="2" name="Cím 1"/>
+          <p:cNvSpPr>
+            <a:spLocks noGrp="1"/>
+          </p:cNvSpPr>
+          <p:nvPr>
+            <p:ph type="title"/>
+          </p:nvPr>
+        </p:nvSpPr>
+        <p:spPr>
+          <a:xfrm>
+            <a:off x="500034" y="0"/>
+            <a:ext cx="8229600" cy="1143000"/>
+          </a:xfrm>
+        </p:spPr>
+        <p:txBody>
+          <a:bodyPr/>
+          <a:lstStyle/>
+          <a:p>
+            <a:pPr algn="ctr"/>
+            <a:r>
+              <a:rPr lang="hu-HU" b="1" dirty="0" smtClean="0"/>
+              <a:t>Felhasználói menü</a:t>
+            </a:r>
+            <a:endParaRPr lang="hu-HU" b="1" dirty="0"/>
+          </a:p>
+        </p:txBody>
+      </p:sp>
+      <p:pic>
+        <p:nvPicPr>
+          <p:cNvPr id="4" name="Kép 3" descr="usermenu.PNG"/>
+          <p:cNvPicPr>
+            <a:picLocks noChangeAspect="1"/>
+          </p:cNvPicPr>
+          <p:nvPr/>
+        </p:nvPicPr>
+        <p:blipFill>
+          <a:blip r:embed="rId2"/>
+          <a:stretch>
+            <a:fillRect/>
+          </a:stretch>
+        </p:blipFill>
+        <p:spPr>
+          <a:xfrm>
+            <a:off x="214282" y="1714488"/>
+            <a:ext cx="8786842" cy="4038209"/>
+          </a:xfrm>
+          <a:prstGeom prst="rect">
+            <a:avLst/>
+          </a:prstGeom>
+        </p:spPr>
+      </p:pic>
+    </p:spTree>
+  </p:cSld>
+  <p:clrMapOvr>
+    <a:masterClrMapping/>
+  </p:clrMapOvr>
+  <p:timing>
+    <p:tnLst>
+      <p:par>
+        <p:cTn id="1" dur="indefinite" restart="never" nodeType="tmRoot"/>
+      </p:par>
+    </p:tnLst>
+  </p:timing>
+</p:sld>
+</file>
+
+<file path=ppt/slides/slide5.xml><?xml version="1.0" encoding="utf-8"?>
+<p:sld xmlns:a="http://schemas.openxmlformats.org/drawingml/2006/main" xmlns:r="http://schemas.openxmlformats.org/officeDocument/2006/relationships" xmlns:p="http://schemas.openxmlformats.org/presentationml/2006/main">
+  <p:cSld>
+    <p:spTree>
+      <p:nvGrpSpPr>
+        <p:cNvPr id="1" name=""/>
+        <p:cNvGrpSpPr/>
+        <p:nvPr/>
+      </p:nvGrpSpPr>
+      <p:grpSpPr>
+        <a:xfrm>
+          <a:off x="0" y="0"/>
+          <a:ext cx="0" cy="0"/>
+          <a:chOff x="0" y="0"/>
+          <a:chExt cx="0" cy="0"/>
+        </a:xfrm>
+      </p:grpSpPr>
+      <p:sp>
+        <p:nvSpPr>
+          <p:cNvPr id="2" name="Cím 1"/>
+          <p:cNvSpPr>
+            <a:spLocks noGrp="1"/>
+          </p:cNvSpPr>
+          <p:nvPr>
+            <p:ph type="title"/>
+          </p:nvPr>
+        </p:nvSpPr>
         <p:spPr/>
         <p:txBody>
           <a:bodyPr/>
           <a:lstStyle/>
           <a:p>
+            <a:pPr algn="ctr"/>
             <a:r>
               <a:rPr lang="hu-HU" b="1" dirty="0" smtClean="0"/>
               <a:t>Adatmodell</a:t>
@@ -5501,7 +5805,7 @@
     </p:spTree>
     <p:extLst>
       <p:ext uri="{BB962C8B-B14F-4D97-AF65-F5344CB8AC3E}">
-        <p14:creationId xmlns:p14="http://schemas.microsoft.com/office/powerpoint/2010/main" xmlns="" val="2560700038"/>
+        <p14:creationId xmlns="" xmlns:p14="http://schemas.microsoft.com/office/powerpoint/2010/main" val="2560700038"/>
       </p:ext>
     </p:extLst>
   </p:cSld>
@@ -5518,7 +5822,92 @@
 </p:sld>
 </file>
 
-<file path=ppt/slides/slide4.xml><?xml version="1.0" encoding="utf-8"?>
+<file path=ppt/slides/slide6.xml><?xml version="1.0" encoding="utf-8"?>
+<p:sld xmlns:a="http://schemas.openxmlformats.org/drawingml/2006/main" xmlns:r="http://schemas.openxmlformats.org/officeDocument/2006/relationships" xmlns:p="http://schemas.openxmlformats.org/presentationml/2006/main">
+  <p:cSld>
+    <p:spTree>
+      <p:nvGrpSpPr>
+        <p:cNvPr id="1" name=""/>
+        <p:cNvGrpSpPr/>
+        <p:nvPr/>
+      </p:nvGrpSpPr>
+      <p:grpSpPr>
+        <a:xfrm>
+          <a:off x="0" y="0"/>
+          <a:ext cx="0" cy="0"/>
+          <a:chOff x="0" y="0"/>
+          <a:chExt cx="0" cy="0"/>
+        </a:xfrm>
+      </p:grpSpPr>
+      <p:sp>
+        <p:nvSpPr>
+          <p:cNvPr id="2" name="Cím 1"/>
+          <p:cNvSpPr>
+            <a:spLocks noGrp="1"/>
+          </p:cNvSpPr>
+          <p:nvPr>
+            <p:ph type="title"/>
+          </p:nvPr>
+        </p:nvSpPr>
+        <p:spPr>
+          <a:xfrm>
+            <a:off x="428596" y="0"/>
+            <a:ext cx="8229600" cy="1143000"/>
+          </a:xfrm>
+        </p:spPr>
+        <p:txBody>
+          <a:bodyPr/>
+          <a:lstStyle/>
+          <a:p>
+            <a:pPr algn="ctr"/>
+            <a:r>
+              <a:rPr lang="hu-HU" b="1" dirty="0" smtClean="0"/>
+              <a:t>Kalkulátor</a:t>
+            </a:r>
+            <a:endParaRPr lang="hu-HU" b="1" dirty="0"/>
+          </a:p>
+        </p:txBody>
+      </p:sp>
+      <p:pic>
+        <p:nvPicPr>
+          <p:cNvPr id="4" name="Kép 3" descr="beton.PNG"/>
+          <p:cNvPicPr>
+            <a:picLocks noChangeAspect="1"/>
+          </p:cNvPicPr>
+          <p:nvPr/>
+        </p:nvPicPr>
+        <p:blipFill>
+          <a:blip r:embed="rId2"/>
+          <a:stretch>
+            <a:fillRect/>
+          </a:stretch>
+        </p:blipFill>
+        <p:spPr>
+          <a:xfrm>
+            <a:off x="1714480" y="1428736"/>
+            <a:ext cx="5153442" cy="5179124"/>
+          </a:xfrm>
+          <a:prstGeom prst="rect">
+            <a:avLst/>
+          </a:prstGeom>
+        </p:spPr>
+      </p:pic>
+    </p:spTree>
+  </p:cSld>
+  <p:clrMapOvr>
+    <a:masterClrMapping/>
+  </p:clrMapOvr>
+  <p:timing>
+    <p:tnLst>
+      <p:par>
+        <p:cTn id="1" dur="indefinite" restart="never" nodeType="tmRoot"/>
+      </p:par>
+    </p:tnLst>
+  </p:timing>
+</p:sld>
+</file>
+
+<file path=ppt/slides/slide7.xml><?xml version="1.0" encoding="utf-8"?>
 <p:sld xmlns:a="http://schemas.openxmlformats.org/drawingml/2006/main" xmlns:r="http://schemas.openxmlformats.org/officeDocument/2006/relationships" xmlns:p="http://schemas.openxmlformats.org/presentationml/2006/main">
   <p:cSld>
     <p:spTree>
@@ -5603,7 +5992,7 @@
 </p:sld>
 </file>
 
-<file path=ppt/slides/slide5.xml><?xml version="1.0" encoding="utf-8"?>
+<file path=ppt/slides/slide8.xml><?xml version="1.0" encoding="utf-8"?>
 <p:sld xmlns:a="http://schemas.openxmlformats.org/drawingml/2006/main" xmlns:r="http://schemas.openxmlformats.org/officeDocument/2006/relationships" xmlns:p="http://schemas.openxmlformats.org/presentationml/2006/main">
   <p:cSld>
     <p:spTree>
@@ -5688,7 +6077,7 @@
 </p:sld>
 </file>
 
-<file path=ppt/slides/slide6.xml><?xml version="1.0" encoding="utf-8"?>
+<file path=ppt/slides/slide9.xml><?xml version="1.0" encoding="utf-8"?>
 <p:sld xmlns:a="http://schemas.openxmlformats.org/drawingml/2006/main" xmlns:r="http://schemas.openxmlformats.org/officeDocument/2006/relationships" xmlns:p="http://schemas.openxmlformats.org/presentationml/2006/main">
   <p:cSld>
     <p:spTree>
@@ -5759,260 +6148,6 @@
         </p:spPr>
       </p:pic>
     </p:spTree>
-  </p:cSld>
-  <p:clrMapOvr>
-    <a:masterClrMapping/>
-  </p:clrMapOvr>
-  <p:timing>
-    <p:tnLst>
-      <p:par>
-        <p:cTn id="1" dur="indefinite" restart="never" nodeType="tmRoot"/>
-      </p:par>
-    </p:tnLst>
-  </p:timing>
-</p:sld>
-</file>
-
-<file path=ppt/slides/slide7.xml><?xml version="1.0" encoding="utf-8"?>
-<p:sld xmlns:a="http://schemas.openxmlformats.org/drawingml/2006/main" xmlns:r="http://schemas.openxmlformats.org/officeDocument/2006/relationships" xmlns:p="http://schemas.openxmlformats.org/presentationml/2006/main">
-  <p:cSld>
-    <p:spTree>
-      <p:nvGrpSpPr>
-        <p:cNvPr id="1" name=""/>
-        <p:cNvGrpSpPr/>
-        <p:nvPr/>
-      </p:nvGrpSpPr>
-      <p:grpSpPr>
-        <a:xfrm>
-          <a:off x="0" y="0"/>
-          <a:ext cx="0" cy="0"/>
-          <a:chOff x="0" y="0"/>
-          <a:chExt cx="0" cy="0"/>
-        </a:xfrm>
-      </p:grpSpPr>
-      <p:sp>
-        <p:nvSpPr>
-          <p:cNvPr id="2" name="Cím 1"/>
-          <p:cNvSpPr>
-            <a:spLocks noGrp="1"/>
-          </p:cNvSpPr>
-          <p:nvPr>
-            <p:ph type="title"/>
-          </p:nvPr>
-        </p:nvSpPr>
-        <p:spPr>
-          <a:xfrm>
-            <a:off x="357158" y="0"/>
-            <a:ext cx="8229600" cy="1143000"/>
-          </a:xfrm>
-        </p:spPr>
-        <p:txBody>
-          <a:bodyPr/>
-          <a:lstStyle/>
-          <a:p>
-            <a:pPr algn="ctr"/>
-            <a:r>
-              <a:rPr lang="hu-HU" b="1" dirty="0" smtClean="0"/>
-              <a:t>Rendelések kezelése</a:t>
-            </a:r>
-            <a:endParaRPr lang="hu-HU" b="1" dirty="0"/>
-          </a:p>
-        </p:txBody>
-      </p:sp>
-      <p:pic>
-        <p:nvPicPr>
-          <p:cNvPr id="4" name="Kép 3" descr="rendelesek2.PNG"/>
-          <p:cNvPicPr>
-            <a:picLocks noChangeAspect="1"/>
-          </p:cNvPicPr>
-          <p:nvPr/>
-        </p:nvPicPr>
-        <p:blipFill>
-          <a:blip r:embed="rId3"/>
-          <a:stretch>
-            <a:fillRect/>
-          </a:stretch>
-        </p:blipFill>
-        <p:spPr>
-          <a:xfrm>
-            <a:off x="2285984" y="1285860"/>
-            <a:ext cx="4500594" cy="5246549"/>
-          </a:xfrm>
-          <a:prstGeom prst="rect">
-            <a:avLst/>
-          </a:prstGeom>
-        </p:spPr>
-      </p:pic>
-    </p:spTree>
-  </p:cSld>
-  <p:clrMapOvr>
-    <a:masterClrMapping/>
-  </p:clrMapOvr>
-  <p:timing>
-    <p:tnLst>
-      <p:par>
-        <p:cTn id="1" dur="indefinite" restart="never" nodeType="tmRoot"/>
-      </p:par>
-    </p:tnLst>
-  </p:timing>
-</p:sld>
-</file>
-
-<file path=ppt/slides/slide8.xml><?xml version="1.0" encoding="utf-8"?>
-<p:sld xmlns:a="http://schemas.openxmlformats.org/drawingml/2006/main" xmlns:r="http://schemas.openxmlformats.org/officeDocument/2006/relationships" xmlns:p="http://schemas.openxmlformats.org/presentationml/2006/main">
-  <p:cSld>
-    <p:spTree>
-      <p:nvGrpSpPr>
-        <p:cNvPr id="1" name=""/>
-        <p:cNvGrpSpPr/>
-        <p:nvPr/>
-      </p:nvGrpSpPr>
-      <p:grpSpPr>
-        <a:xfrm>
-          <a:off x="0" y="0"/>
-          <a:ext cx="0" cy="0"/>
-          <a:chOff x="0" y="0"/>
-          <a:chExt cx="0" cy="0"/>
-        </a:xfrm>
-      </p:grpSpPr>
-      <p:sp>
-        <p:nvSpPr>
-          <p:cNvPr id="2" name="Cím 1"/>
-          <p:cNvSpPr>
-            <a:spLocks noGrp="1"/>
-          </p:cNvSpPr>
-          <p:nvPr>
-            <p:ph type="title"/>
-          </p:nvPr>
-        </p:nvSpPr>
-        <p:spPr/>
-        <p:txBody>
-          <a:bodyPr/>
-          <a:lstStyle/>
-          <a:p>
-            <a:endParaRPr lang="hu-HU"/>
-          </a:p>
-        </p:txBody>
-      </p:sp>
-      <p:sp>
-        <p:nvSpPr>
-          <p:cNvPr id="3" name="Tartalom helye 2"/>
-          <p:cNvSpPr>
-            <a:spLocks noGrp="1"/>
-          </p:cNvSpPr>
-          <p:nvPr>
-            <p:ph idx="1"/>
-          </p:nvPr>
-        </p:nvSpPr>
-        <p:spPr/>
-        <p:txBody>
-          <a:bodyPr/>
-          <a:lstStyle/>
-          <a:p>
-            <a:endParaRPr lang="hu-HU"/>
-          </a:p>
-        </p:txBody>
-      </p:sp>
-    </p:spTree>
-  </p:cSld>
-  <p:clrMapOvr>
-    <a:masterClrMapping/>
-  </p:clrMapOvr>
-</p:sld>
-</file>
-
-<file path=ppt/slides/slide9.xml><?xml version="1.0" encoding="utf-8"?>
-<p:sld xmlns:a="http://schemas.openxmlformats.org/drawingml/2006/main" xmlns:r="http://schemas.openxmlformats.org/officeDocument/2006/relationships" xmlns:p="http://schemas.openxmlformats.org/presentationml/2006/main">
-  <p:cSld>
-    <p:spTree>
-      <p:nvGrpSpPr>
-        <p:cNvPr id="1" name=""/>
-        <p:cNvGrpSpPr/>
-        <p:nvPr/>
-      </p:nvGrpSpPr>
-      <p:grpSpPr>
-        <a:xfrm>
-          <a:off x="0" y="0"/>
-          <a:ext cx="0" cy="0"/>
-          <a:chOff x="0" y="0"/>
-          <a:chExt cx="0" cy="0"/>
-        </a:xfrm>
-      </p:grpSpPr>
-      <p:sp>
-        <p:nvSpPr>
-          <p:cNvPr id="2" name="Cím 1"/>
-          <p:cNvSpPr>
-            <a:spLocks noGrp="1"/>
-          </p:cNvSpPr>
-          <p:nvPr>
-            <p:ph type="title"/>
-          </p:nvPr>
-        </p:nvSpPr>
-        <p:spPr/>
-        <p:txBody>
-          <a:bodyPr/>
-          <a:lstStyle/>
-          <a:p>
-            <a:r>
-              <a:rPr lang="hu-HU" dirty="0" smtClean="0"/>
-              <a:t>Program megvalósítása</a:t>
-            </a:r>
-            <a:endParaRPr lang="hu-HU" dirty="0"/>
-          </a:p>
-        </p:txBody>
-      </p:sp>
-      <p:sp>
-        <p:nvSpPr>
-          <p:cNvPr id="3" name="Tartalom helye 2"/>
-          <p:cNvSpPr>
-            <a:spLocks noGrp="1"/>
-          </p:cNvSpPr>
-          <p:nvPr>
-            <p:ph idx="1"/>
-          </p:nvPr>
-        </p:nvSpPr>
-        <p:spPr/>
-        <p:txBody>
-          <a:bodyPr/>
-          <a:lstStyle/>
-          <a:p>
-            <a:r>
-              <a:rPr lang="hu-HU" dirty="0" smtClean="0"/>
-              <a:t>Programozói megoldások, 1-2 kiemelése, programkód pl. php és </a:t>
-            </a:r>
-            <a:r>
-              <a:rPr lang="hu-HU" dirty="0" err="1" smtClean="0"/>
-              <a:t>js</a:t>
-            </a:r>
-            <a:endParaRPr lang="hu-HU" dirty="0" smtClean="0"/>
-          </a:p>
-          <a:p>
-            <a:r>
-              <a:rPr lang="hu-HU" dirty="0" smtClean="0"/>
-              <a:t>Nehézséget, kihívást mi okozott, hogy oldottad meg</a:t>
-            </a:r>
-          </a:p>
-          <a:p>
-            <a:r>
-              <a:rPr lang="hu-HU" dirty="0" smtClean="0"/>
-              <a:t>Szövegrészek kiemelése</a:t>
-            </a:r>
-          </a:p>
-          <a:p>
-            <a:r>
-              <a:rPr lang="hu-HU" dirty="0" smtClean="0"/>
-              <a:t>1-2 dia</a:t>
-            </a:r>
-            <a:endParaRPr lang="hu-HU" dirty="0"/>
-          </a:p>
-        </p:txBody>
-      </p:sp>
-    </p:spTree>
-    <p:extLst>
-      <p:ext uri="{BB962C8B-B14F-4D97-AF65-F5344CB8AC3E}">
-        <p14:creationId xmlns:p14="http://schemas.microsoft.com/office/powerpoint/2010/main" xmlns="" val="3631297354"/>
-      </p:ext>
-    </p:extLst>
   </p:cSld>
   <p:clrMapOvr>
     <a:masterClrMapping/>
